--- a/slides/3 Tokenization and Word Frequency.pptx
+++ b/slides/3 Tokenization and Word Frequency.pptx
@@ -5,35 +5,36 @@
     <p:sldMasterId id="2147483660" r:id="rId1"/>
   </p:sldMasterIdLst>
   <p:sldIdLst>
-    <p:sldId id="256" r:id="rId2"/>
-    <p:sldId id="287" r:id="rId3"/>
-    <p:sldId id="281" r:id="rId4"/>
-    <p:sldId id="282" r:id="rId5"/>
-    <p:sldId id="283" r:id="rId6"/>
-    <p:sldId id="257" r:id="rId7"/>
-    <p:sldId id="285" r:id="rId8"/>
-    <p:sldId id="284" r:id="rId9"/>
-    <p:sldId id="286" r:id="rId10"/>
-    <p:sldId id="288" r:id="rId11"/>
-    <p:sldId id="289" r:id="rId12"/>
-    <p:sldId id="290" r:id="rId13"/>
-    <p:sldId id="293" r:id="rId14"/>
-    <p:sldId id="291" r:id="rId15"/>
-    <p:sldId id="292" r:id="rId16"/>
-    <p:sldId id="294" r:id="rId17"/>
-    <p:sldId id="295" r:id="rId18"/>
-    <p:sldId id="296" r:id="rId19"/>
-    <p:sldId id="297" r:id="rId20"/>
-    <p:sldId id="298" r:id="rId21"/>
-    <p:sldId id="299" r:id="rId22"/>
-    <p:sldId id="300" r:id="rId23"/>
-    <p:sldId id="301" r:id="rId24"/>
-    <p:sldId id="302" r:id="rId25"/>
-    <p:sldId id="303" r:id="rId26"/>
-    <p:sldId id="304" r:id="rId27"/>
-    <p:sldId id="305" r:id="rId28"/>
-    <p:sldId id="306" r:id="rId29"/>
-    <p:sldId id="307" r:id="rId30"/>
+    <p:sldId id="308" r:id="rId2"/>
+    <p:sldId id="256" r:id="rId3"/>
+    <p:sldId id="287" r:id="rId4"/>
+    <p:sldId id="281" r:id="rId5"/>
+    <p:sldId id="282" r:id="rId6"/>
+    <p:sldId id="283" r:id="rId7"/>
+    <p:sldId id="257" r:id="rId8"/>
+    <p:sldId id="285" r:id="rId9"/>
+    <p:sldId id="284" r:id="rId10"/>
+    <p:sldId id="286" r:id="rId11"/>
+    <p:sldId id="288" r:id="rId12"/>
+    <p:sldId id="289" r:id="rId13"/>
+    <p:sldId id="290" r:id="rId14"/>
+    <p:sldId id="293" r:id="rId15"/>
+    <p:sldId id="291" r:id="rId16"/>
+    <p:sldId id="292" r:id="rId17"/>
+    <p:sldId id="294" r:id="rId18"/>
+    <p:sldId id="295" r:id="rId19"/>
+    <p:sldId id="296" r:id="rId20"/>
+    <p:sldId id="297" r:id="rId21"/>
+    <p:sldId id="298" r:id="rId22"/>
+    <p:sldId id="299" r:id="rId23"/>
+    <p:sldId id="300" r:id="rId24"/>
+    <p:sldId id="301" r:id="rId25"/>
+    <p:sldId id="302" r:id="rId26"/>
+    <p:sldId id="303" r:id="rId27"/>
+    <p:sldId id="304" r:id="rId28"/>
+    <p:sldId id="305" r:id="rId29"/>
+    <p:sldId id="306" r:id="rId30"/>
+    <p:sldId id="307" r:id="rId31"/>
   </p:sldIdLst>
   <p:sldSz cx="12192000" cy="6858000"/>
   <p:notesSz cx="6858000" cy="9144000"/>
@@ -132,15 +133,49 @@
       </a:defRPr>
     </a:lvl9pPr>
   </p:defaultTextStyle>
+  <p:extLst>
+    <p:ext uri="{EFAFB233-063F-42B5-8137-9DF3F51BA10A}">
+      <p15:sldGuideLst xmlns:p15="http://schemas.microsoft.com/office/powerpoint/2012/main"/>
+    </p:ext>
+  </p:extLst>
 </p:presentation>
 </file>
 
-<file path=ppt/revisionInfo.xml><?xml version="1.0" encoding="utf-8"?>
-<p1510:revInfo xmlns:a="http://schemas.openxmlformats.org/drawingml/2006/main" xmlns:r="http://schemas.openxmlformats.org/officeDocument/2006/relationships" xmlns:p1510="http://schemas.microsoft.com/office/powerpoint/2015/10/main">
-  <p1510:revLst>
-    <p1510:client id="{434EB4F8-F956-E64E-875E-E45EE9DCC59D}" v="27" dt="2023-12-22T22:25:22.607"/>
-  </p1510:revLst>
-</p1510:revInfo>
+<file path=ppt/changesInfos/changesInfo1.xml><?xml version="1.0" encoding="utf-8"?>
+<pc:chgInfo xmlns:a="http://schemas.openxmlformats.org/drawingml/2006/main" xmlns:r="http://schemas.openxmlformats.org/officeDocument/2006/relationships" xmlns:ac="http://schemas.microsoft.com/office/drawing/2013/main/command" xmlns:pc="http://schemas.microsoft.com/office/powerpoint/2013/main/command">
+  <pc:docChgLst>
+    <pc:chgData name="Vallejo Vera, Sebastian" userId="9dbf769e-f5f7-4c1a-b214-de73a2d2b9d1" providerId="ADAL" clId="{2720E20E-64FB-5840-A231-E5782F5DFD74}"/>
+    <pc:docChg chg="custSel addSld modSld sldOrd">
+      <pc:chgData name="Vallejo Vera, Sebastian" userId="9dbf769e-f5f7-4c1a-b214-de73a2d2b9d1" providerId="ADAL" clId="{2720E20E-64FB-5840-A231-E5782F5DFD74}" dt="2024-01-15T14:37:14.076" v="49" actId="20577"/>
+      <pc:docMkLst>
+        <pc:docMk/>
+      </pc:docMkLst>
+      <pc:sldChg chg="modSp new mod ord">
+        <pc:chgData name="Vallejo Vera, Sebastian" userId="9dbf769e-f5f7-4c1a-b214-de73a2d2b9d1" providerId="ADAL" clId="{2720E20E-64FB-5840-A231-E5782F5DFD74}" dt="2024-01-15T14:37:14.076" v="49" actId="20577"/>
+        <pc:sldMkLst>
+          <pc:docMk/>
+          <pc:sldMk cId="1652413843" sldId="308"/>
+        </pc:sldMkLst>
+        <pc:spChg chg="mod">
+          <ac:chgData name="Vallejo Vera, Sebastian" userId="9dbf769e-f5f7-4c1a-b214-de73a2d2b9d1" providerId="ADAL" clId="{2720E20E-64FB-5840-A231-E5782F5DFD74}" dt="2024-01-15T13:56:56.072" v="28" actId="20577"/>
+          <ac:spMkLst>
+            <pc:docMk/>
+            <pc:sldMk cId="1652413843" sldId="308"/>
+            <ac:spMk id="2" creationId="{D531CBCA-F5F8-F3D1-AD8B-DB6C6B9FBD3D}"/>
+          </ac:spMkLst>
+        </pc:spChg>
+        <pc:spChg chg="mod">
+          <ac:chgData name="Vallejo Vera, Sebastian" userId="9dbf769e-f5f7-4c1a-b214-de73a2d2b9d1" providerId="ADAL" clId="{2720E20E-64FB-5840-A231-E5782F5DFD74}" dt="2024-01-15T14:37:14.076" v="49" actId="20577"/>
+          <ac:spMkLst>
+            <pc:docMk/>
+            <pc:sldMk cId="1652413843" sldId="308"/>
+            <ac:spMk id="3" creationId="{59380D1F-C5B6-0720-769C-AF9333D0EA62}"/>
+          </ac:spMkLst>
+        </pc:spChg>
+      </pc:sldChg>
+    </pc:docChg>
+  </pc:docChgLst>
+</pc:chgInfo>
 </file>
 
 <file path=ppt/ink/ink1.xml><?xml version="1.0" encoding="utf-8"?>
@@ -2634,7 +2669,7 @@
           <a:p>
             <a:fld id="{C71BB6E3-ADBB-E34D-BA89-A382DA4703E2}" type="datetimeFigureOut">
               <a:rPr lang="en-US" smtClean="0"/>
-              <a:t>12/22/23</a:t>
+              <a:t>1/15/24</a:t>
             </a:fld>
             <a:endParaRPr lang="en-US"/>
           </a:p>
@@ -2872,7 +2907,7 @@
           <a:p>
             <a:fld id="{C71BB6E3-ADBB-E34D-BA89-A382DA4703E2}" type="datetimeFigureOut">
               <a:rPr lang="en-US" smtClean="0"/>
-              <a:t>12/22/23</a:t>
+              <a:t>1/15/24</a:t>
             </a:fld>
             <a:endParaRPr lang="en-US"/>
           </a:p>
@@ -3052,7 +3087,7 @@
           <a:p>
             <a:fld id="{C71BB6E3-ADBB-E34D-BA89-A382DA4703E2}" type="datetimeFigureOut">
               <a:rPr lang="en-US" smtClean="0"/>
-              <a:t>12/22/23</a:t>
+              <a:t>1/15/24</a:t>
             </a:fld>
             <a:endParaRPr lang="en-US"/>
           </a:p>
@@ -3222,7 +3257,7 @@
           <a:p>
             <a:fld id="{C71BB6E3-ADBB-E34D-BA89-A382DA4703E2}" type="datetimeFigureOut">
               <a:rPr lang="en-US" smtClean="0"/>
-              <a:t>12/22/23</a:t>
+              <a:t>1/15/24</a:t>
             </a:fld>
             <a:endParaRPr lang="en-US"/>
           </a:p>
@@ -3498,7 +3533,7 @@
           <a:p>
             <a:fld id="{C71BB6E3-ADBB-E34D-BA89-A382DA4703E2}" type="datetimeFigureOut">
               <a:rPr lang="en-US" smtClean="0"/>
-              <a:t>12/22/23</a:t>
+              <a:t>1/15/24</a:t>
             </a:fld>
             <a:endParaRPr lang="en-US"/>
           </a:p>
@@ -4699,7 +4734,7 @@
           <a:p>
             <a:fld id="{C71BB6E3-ADBB-E34D-BA89-A382DA4703E2}" type="datetimeFigureOut">
               <a:rPr lang="en-US" smtClean="0"/>
-              <a:t>12/22/23</a:t>
+              <a:t>1/15/24</a:t>
             </a:fld>
             <a:endParaRPr lang="en-US"/>
           </a:p>
@@ -5089,7 +5124,7 @@
           <a:p>
             <a:fld id="{C71BB6E3-ADBB-E34D-BA89-A382DA4703E2}" type="datetimeFigureOut">
               <a:rPr lang="en-US" smtClean="0"/>
-              <a:t>12/22/23</a:t>
+              <a:t>1/15/24</a:t>
             </a:fld>
             <a:endParaRPr lang="en-US"/>
           </a:p>
@@ -5212,7 +5247,7 @@
           <a:p>
             <a:fld id="{C71BB6E3-ADBB-E34D-BA89-A382DA4703E2}" type="datetimeFigureOut">
               <a:rPr lang="en-US" smtClean="0"/>
-              <a:t>12/22/23</a:t>
+              <a:t>1/15/24</a:t>
             </a:fld>
             <a:endParaRPr lang="en-US"/>
           </a:p>
@@ -5307,7 +5342,7 @@
           <a:p>
             <a:fld id="{C71BB6E3-ADBB-E34D-BA89-A382DA4703E2}" type="datetimeFigureOut">
               <a:rPr lang="en-US" smtClean="0"/>
-              <a:t>12/22/23</a:t>
+              <a:t>1/15/24</a:t>
             </a:fld>
             <a:endParaRPr lang="en-US"/>
           </a:p>
@@ -6070,7 +6105,7 @@
           <a:p>
             <a:fld id="{C71BB6E3-ADBB-E34D-BA89-A382DA4703E2}" type="datetimeFigureOut">
               <a:rPr lang="en-US" smtClean="0"/>
-              <a:t>12/22/23</a:t>
+              <a:t>1/15/24</a:t>
             </a:fld>
             <a:endParaRPr lang="en-US"/>
           </a:p>
@@ -6910,7 +6945,7 @@
           <a:p>
             <a:fld id="{C71BB6E3-ADBB-E34D-BA89-A382DA4703E2}" type="datetimeFigureOut">
               <a:rPr lang="en-US" smtClean="0"/>
-              <a:t>12/22/23</a:t>
+              <a:t>1/15/24</a:t>
             </a:fld>
             <a:endParaRPr lang="en-US"/>
           </a:p>
@@ -7137,7 +7172,7 @@
           <a:p>
             <a:fld id="{C71BB6E3-ADBB-E34D-BA89-A382DA4703E2}" type="datetimeFigureOut">
               <a:rPr lang="en-US" smtClean="0"/>
-              <a:t>12/22/23</a:t>
+              <a:t>1/15/24</a:t>
             </a:fld>
             <a:endParaRPr lang="en-US"/>
           </a:p>
@@ -8141,7 +8176,7 @@
           <p:cNvPr id="2" name="Title 1">
             <a:extLst>
               <a:ext uri="{FF2B5EF4-FFF2-40B4-BE49-F238E27FC236}">
-                <a16:creationId xmlns:a16="http://schemas.microsoft.com/office/drawing/2014/main" id="{BD717BFB-4465-1173-70A1-D9790CB2CBBD}"/>
+                <a16:creationId xmlns:a16="http://schemas.microsoft.com/office/drawing/2014/main" id="{D531CBCA-F5F8-F3D1-AD8B-DB6C6B9FBD3D}"/>
               </a:ext>
             </a:extLst>
           </p:cNvPr>
@@ -8149,7 +8184,7 @@
             <a:spLocks noGrp="1"/>
           </p:cNvSpPr>
           <p:nvPr>
-            <p:ph type="ctrTitle"/>
+            <p:ph type="title"/>
           </p:nvPr>
         </p:nvSpPr>
         <p:spPr/>
@@ -8158,18 +8193,18 @@
           <a:lstStyle/>
           <a:p>
             <a:r>
-              <a:rPr lang="en-US" sz="8800" dirty="0"/>
-              <a:t>Tokenization and Word Frequency</a:t>
+              <a:rPr lang="en-US" dirty="0"/>
+              <a:t>Today’s Readings</a:t>
             </a:r>
           </a:p>
         </p:txBody>
       </p:sp>
       <p:sp>
         <p:nvSpPr>
-          <p:cNvPr id="3" name="Subtitle 2">
+          <p:cNvPr id="3" name="Content Placeholder 2">
             <a:extLst>
               <a:ext uri="{FF2B5EF4-FFF2-40B4-BE49-F238E27FC236}">
-                <a16:creationId xmlns:a16="http://schemas.microsoft.com/office/drawing/2014/main" id="{0BB545C2-8580-B027-A1F2-6454EC8ECD39}"/>
+                <a16:creationId xmlns:a16="http://schemas.microsoft.com/office/drawing/2014/main" id="{59380D1F-C5B6-0720-769C-AF9333D0EA62}"/>
               </a:ext>
             </a:extLst>
           </p:cNvPr>
@@ -8177,7 +8212,7 @@
             <a:spLocks noGrp="1"/>
           </p:cNvSpPr>
           <p:nvPr>
-            <p:ph type="subTitle" idx="1"/>
+            <p:ph idx="1"/>
           </p:nvPr>
         </p:nvSpPr>
         <p:spPr/>
@@ -8187,7 +8222,33 @@
           <a:p>
             <a:r>
               <a:rPr lang="en-US" dirty="0"/>
-              <a:t>Prof. Sebastián Vallejo Vera</a:t>
+              <a:t>Did the paper answer the research question? </a:t>
+            </a:r>
+          </a:p>
+          <a:p>
+            <a:r>
+              <a:rPr lang="en-US" dirty="0"/>
+              <a:t>Was the data appropriate for answering that question? </a:t>
+            </a:r>
+          </a:p>
+          <a:p>
+            <a:r>
+              <a:rPr lang="en-US" dirty="0"/>
+              <a:t>Was the method appropriate for answering that question? </a:t>
+            </a:r>
+          </a:p>
+          <a:p>
+            <a:r>
+              <a:rPr lang="en-US" dirty="0"/>
+              <a:t>Are the conclusions arrived at by the author </a:t>
+            </a:r>
+            <a:r>
+              <a:rPr lang="en-US"/>
+              <a:t>supported by `their </a:t>
+            </a:r>
+            <a:r>
+              <a:rPr lang="en-US" dirty="0"/>
+              <a:t>evidence?</a:t>
             </a:r>
           </a:p>
         </p:txBody>
@@ -8195,7 +8256,7 @@
     </p:spTree>
     <p:extLst>
       <p:ext uri="{BB962C8B-B14F-4D97-AF65-F5344CB8AC3E}">
-        <p14:creationId xmlns:p14="http://schemas.microsoft.com/office/powerpoint/2010/main" val="2990253051"/>
+        <p14:creationId xmlns:p14="http://schemas.microsoft.com/office/powerpoint/2010/main" val="1652413843"/>
       </p:ext>
     </p:extLst>
   </p:cSld>
@@ -8206,6 +8267,134 @@
 </file>
 
 <file path=ppt/slides/slide10.xml><?xml version="1.0" encoding="utf-8"?>
+<p:sld xmlns:a="http://schemas.openxmlformats.org/drawingml/2006/main" xmlns:r="http://schemas.openxmlformats.org/officeDocument/2006/relationships" xmlns:p="http://schemas.openxmlformats.org/presentationml/2006/main">
+  <p:cSld>
+    <p:spTree>
+      <p:nvGrpSpPr>
+        <p:cNvPr id="1" name=""/>
+        <p:cNvGrpSpPr/>
+        <p:nvPr/>
+      </p:nvGrpSpPr>
+      <p:grpSpPr>
+        <a:xfrm>
+          <a:off x="0" y="0"/>
+          <a:ext cx="0" cy="0"/>
+          <a:chOff x="0" y="0"/>
+          <a:chExt cx="0" cy="0"/>
+        </a:xfrm>
+      </p:grpSpPr>
+      <p:sp>
+        <p:nvSpPr>
+          <p:cNvPr id="2" name="Title 1">
+            <a:extLst>
+              <a:ext uri="{FF2B5EF4-FFF2-40B4-BE49-F238E27FC236}">
+                <a16:creationId xmlns:a16="http://schemas.microsoft.com/office/drawing/2014/main" id="{76CD47FF-C1D6-F84E-17C0-4E8E83E249D5}"/>
+              </a:ext>
+            </a:extLst>
+          </p:cNvPr>
+          <p:cNvSpPr>
+            <a:spLocks noGrp="1"/>
+          </p:cNvSpPr>
+          <p:nvPr>
+            <p:ph type="title"/>
+          </p:nvPr>
+        </p:nvSpPr>
+        <p:spPr/>
+        <p:txBody>
+          <a:bodyPr/>
+          <a:lstStyle/>
+          <a:p>
+            <a:r>
+              <a:rPr lang="en-US" dirty="0"/>
+              <a:t>1. The Unit of Analysis</a:t>
+            </a:r>
+          </a:p>
+        </p:txBody>
+      </p:sp>
+      <p:sp>
+        <p:nvSpPr>
+          <p:cNvPr id="3" name="Content Placeholder 2">
+            <a:extLst>
+              <a:ext uri="{FF2B5EF4-FFF2-40B4-BE49-F238E27FC236}">
+                <a16:creationId xmlns:a16="http://schemas.microsoft.com/office/drawing/2014/main" id="{0A8E5013-2274-C73A-7B67-454CA6C3301F}"/>
+              </a:ext>
+            </a:extLst>
+          </p:cNvPr>
+          <p:cNvSpPr>
+            <a:spLocks noGrp="1"/>
+          </p:cNvSpPr>
+          <p:nvPr>
+            <p:ph idx="1"/>
+          </p:nvPr>
+        </p:nvSpPr>
+        <p:spPr/>
+        <p:txBody>
+          <a:bodyPr/>
+          <a:lstStyle/>
+          <a:p>
+            <a:r>
+              <a:rPr lang="en-US" dirty="0"/>
+              <a:t>When analyzing text, we need to determine the unit of analysis.</a:t>
+            </a:r>
+          </a:p>
+          <a:p>
+            <a:r>
+              <a:rPr lang="en-US" dirty="0"/>
+              <a:t>Let’s say you want to analyze a corpus of Constitutions. What should the unit of analysis be?</a:t>
+            </a:r>
+          </a:p>
+          <a:p>
+            <a:pPr lvl="1"/>
+            <a:r>
+              <a:rPr lang="en-US" dirty="0"/>
+              <a:t>The whole constitution?</a:t>
+            </a:r>
+          </a:p>
+          <a:p>
+            <a:pPr lvl="1"/>
+            <a:r>
+              <a:rPr lang="en-US" dirty="0"/>
+              <a:t>Each chapter?</a:t>
+            </a:r>
+          </a:p>
+          <a:p>
+            <a:pPr lvl="1"/>
+            <a:r>
+              <a:rPr lang="en-US" dirty="0"/>
+              <a:t>Each subsection?</a:t>
+            </a:r>
+          </a:p>
+          <a:p>
+            <a:pPr lvl="1"/>
+            <a:r>
+              <a:rPr lang="en-US" dirty="0"/>
+              <a:t>Each law/amendment?</a:t>
+            </a:r>
+          </a:p>
+          <a:p>
+            <a:pPr lvl="1"/>
+            <a:endParaRPr lang="en-US" dirty="0"/>
+          </a:p>
+          <a:p>
+            <a:pPr lvl="1"/>
+            <a:endParaRPr lang="en-US" dirty="0"/>
+          </a:p>
+        </p:txBody>
+      </p:sp>
+    </p:spTree>
+    <p:extLst>
+      <p:ext uri="{BB962C8B-B14F-4D97-AF65-F5344CB8AC3E}">
+        <p14:creationId xmlns:p14="http://schemas.microsoft.com/office/powerpoint/2010/main" val="661034917"/>
+      </p:ext>
+    </p:extLst>
+  </p:cSld>
+  <p:clrMapOvr>
+    <a:masterClrMapping/>
+  </p:clrMapOvr>
+</p:sld>
+</file>
+
+<file path=ppt/slides/slide11.xml><?xml version="1.0" encoding="utf-8"?>
 <p:sld xmlns:a="http://schemas.openxmlformats.org/drawingml/2006/main" xmlns:r="http://schemas.openxmlformats.org/officeDocument/2006/relationships" xmlns:p="http://schemas.openxmlformats.org/presentationml/2006/main">
   <p:cSld>
     <p:spTree>
@@ -8424,7 +8613,7 @@
 </p:sld>
 </file>
 
-<file path=ppt/slides/slide11.xml><?xml version="1.0" encoding="utf-8"?>
+<file path=ppt/slides/slide12.xml><?xml version="1.0" encoding="utf-8"?>
 <p:sld xmlns:a="http://schemas.openxmlformats.org/drawingml/2006/main" xmlns:r="http://schemas.openxmlformats.org/officeDocument/2006/relationships" xmlns:p="http://schemas.openxmlformats.org/presentationml/2006/main">
   <p:cSld>
     <p:spTree>
@@ -8531,149 +8720,6 @@
     <p:extLst>
       <p:ext uri="{BB962C8B-B14F-4D97-AF65-F5344CB8AC3E}">
         <p14:creationId xmlns:p14="http://schemas.microsoft.com/office/powerpoint/2010/main" val="1704471439"/>
-      </p:ext>
-    </p:extLst>
-  </p:cSld>
-  <p:clrMapOvr>
-    <a:masterClrMapping/>
-  </p:clrMapOvr>
-</p:sld>
-</file>
-
-<file path=ppt/slides/slide12.xml><?xml version="1.0" encoding="utf-8"?>
-<p:sld xmlns:a="http://schemas.openxmlformats.org/drawingml/2006/main" xmlns:r="http://schemas.openxmlformats.org/officeDocument/2006/relationships" xmlns:p="http://schemas.openxmlformats.org/presentationml/2006/main">
-  <p:cSld>
-    <p:spTree>
-      <p:nvGrpSpPr>
-        <p:cNvPr id="1" name=""/>
-        <p:cNvGrpSpPr/>
-        <p:nvPr/>
-      </p:nvGrpSpPr>
-      <p:grpSpPr>
-        <a:xfrm>
-          <a:off x="0" y="0"/>
-          <a:ext cx="0" cy="0"/>
-          <a:chOff x="0" y="0"/>
-          <a:chExt cx="0" cy="0"/>
-        </a:xfrm>
-      </p:grpSpPr>
-      <p:sp>
-        <p:nvSpPr>
-          <p:cNvPr id="2" name="Title 1">
-            <a:extLst>
-              <a:ext uri="{FF2B5EF4-FFF2-40B4-BE49-F238E27FC236}">
-                <a16:creationId xmlns:a16="http://schemas.microsoft.com/office/drawing/2014/main" id="{51E05328-C6FC-E347-E29C-83C000B79B61}"/>
-              </a:ext>
-            </a:extLst>
-          </p:cNvPr>
-          <p:cNvSpPr>
-            <a:spLocks noGrp="1"/>
-          </p:cNvSpPr>
-          <p:nvPr>
-            <p:ph type="title"/>
-          </p:nvPr>
-        </p:nvSpPr>
-        <p:spPr/>
-        <p:txBody>
-          <a:bodyPr/>
-          <a:lstStyle/>
-          <a:p>
-            <a:endParaRPr lang="en-US"/>
-          </a:p>
-        </p:txBody>
-      </p:sp>
-      <p:sp>
-        <p:nvSpPr>
-          <p:cNvPr id="3" name="Content Placeholder 2">
-            <a:extLst>
-              <a:ext uri="{FF2B5EF4-FFF2-40B4-BE49-F238E27FC236}">
-                <a16:creationId xmlns:a16="http://schemas.microsoft.com/office/drawing/2014/main" id="{5DDF65F6-C8B0-19F6-3BD6-54AF35316E4B}"/>
-              </a:ext>
-            </a:extLst>
-          </p:cNvPr>
-          <p:cNvSpPr>
-            <a:spLocks noGrp="1"/>
-          </p:cNvSpPr>
-          <p:nvPr>
-            <p:ph idx="1"/>
-          </p:nvPr>
-        </p:nvSpPr>
-        <p:spPr/>
-        <p:txBody>
-          <a:bodyPr/>
-          <a:lstStyle/>
-          <a:p>
-            <a:r>
-              <a:rPr lang="en-US" dirty="0"/>
-              <a:t>According to Grimmer et al. (2022), in addition to tokenization we need to:</a:t>
-            </a:r>
-          </a:p>
-          <a:p>
-            <a:pPr lvl="1"/>
-            <a:r>
-              <a:rPr lang="en-US" dirty="0"/>
-              <a:t>Reduce complexity</a:t>
-            </a:r>
-          </a:p>
-          <a:p>
-            <a:pPr lvl="2"/>
-            <a:r>
-              <a:rPr lang="en-US" dirty="0"/>
-              <a:t>Lowercase</a:t>
-            </a:r>
-          </a:p>
-          <a:p>
-            <a:pPr lvl="2"/>
-            <a:r>
-              <a:rPr lang="en-US" dirty="0"/>
-              <a:t>Remove punctuation</a:t>
-            </a:r>
-          </a:p>
-          <a:p>
-            <a:pPr lvl="2"/>
-            <a:r>
-              <a:rPr lang="en-US" dirty="0"/>
-              <a:t>Remove stop words</a:t>
-            </a:r>
-          </a:p>
-          <a:p>
-            <a:pPr lvl="2"/>
-            <a:r>
-              <a:rPr lang="en-US" dirty="0"/>
-              <a:t>Create equivalence classes</a:t>
-            </a:r>
-          </a:p>
-          <a:p>
-            <a:pPr lvl="2"/>
-            <a:r>
-              <a:rPr lang="en-US" dirty="0"/>
-              <a:t>Filter by frequency </a:t>
-            </a:r>
-          </a:p>
-          <a:p>
-            <a:pPr lvl="1"/>
-            <a:r>
-              <a:rPr lang="en-US" dirty="0"/>
-              <a:t>Create a document-feature matrix (</a:t>
-            </a:r>
-            <a:r>
-              <a:rPr lang="en-US" dirty="0" err="1"/>
-              <a:t>dfm</a:t>
-            </a:r>
-            <a:r>
-              <a:rPr lang="en-US" dirty="0"/>
-              <a:t>). </a:t>
-            </a:r>
-          </a:p>
-          <a:p>
-            <a:endParaRPr lang="en-US" dirty="0"/>
-          </a:p>
-        </p:txBody>
-      </p:sp>
-    </p:spTree>
-    <p:extLst>
-      <p:ext uri="{BB962C8B-B14F-4D97-AF65-F5344CB8AC3E}">
-        <p14:creationId xmlns:p14="http://schemas.microsoft.com/office/powerpoint/2010/main" val="2432591852"/>
       </p:ext>
     </p:extLst>
   </p:cSld>
@@ -8748,6 +8794,149 @@
           <a:p>
             <a:r>
               <a:rPr lang="en-US" dirty="0"/>
+              <a:t>According to Grimmer et al. (2022), in addition to tokenization we need to:</a:t>
+            </a:r>
+          </a:p>
+          <a:p>
+            <a:pPr lvl="1"/>
+            <a:r>
+              <a:rPr lang="en-US" dirty="0"/>
+              <a:t>Reduce complexity</a:t>
+            </a:r>
+          </a:p>
+          <a:p>
+            <a:pPr lvl="2"/>
+            <a:r>
+              <a:rPr lang="en-US" dirty="0"/>
+              <a:t>Lowercase</a:t>
+            </a:r>
+          </a:p>
+          <a:p>
+            <a:pPr lvl="2"/>
+            <a:r>
+              <a:rPr lang="en-US" dirty="0"/>
+              <a:t>Remove punctuation</a:t>
+            </a:r>
+          </a:p>
+          <a:p>
+            <a:pPr lvl="2"/>
+            <a:r>
+              <a:rPr lang="en-US" dirty="0"/>
+              <a:t>Remove stop words</a:t>
+            </a:r>
+          </a:p>
+          <a:p>
+            <a:pPr lvl="2"/>
+            <a:r>
+              <a:rPr lang="en-US" dirty="0"/>
+              <a:t>Create equivalence classes</a:t>
+            </a:r>
+          </a:p>
+          <a:p>
+            <a:pPr lvl="2"/>
+            <a:r>
+              <a:rPr lang="en-US" dirty="0"/>
+              <a:t>Filter by frequency </a:t>
+            </a:r>
+          </a:p>
+          <a:p>
+            <a:pPr lvl="1"/>
+            <a:r>
+              <a:rPr lang="en-US" dirty="0"/>
+              <a:t>Create a document-feature matrix (</a:t>
+            </a:r>
+            <a:r>
+              <a:rPr lang="en-US" dirty="0" err="1"/>
+              <a:t>dfm</a:t>
+            </a:r>
+            <a:r>
+              <a:rPr lang="en-US" dirty="0"/>
+              <a:t>). </a:t>
+            </a:r>
+          </a:p>
+          <a:p>
+            <a:endParaRPr lang="en-US" dirty="0"/>
+          </a:p>
+        </p:txBody>
+      </p:sp>
+    </p:spTree>
+    <p:extLst>
+      <p:ext uri="{BB962C8B-B14F-4D97-AF65-F5344CB8AC3E}">
+        <p14:creationId xmlns:p14="http://schemas.microsoft.com/office/powerpoint/2010/main" val="2432591852"/>
+      </p:ext>
+    </p:extLst>
+  </p:cSld>
+  <p:clrMapOvr>
+    <a:masterClrMapping/>
+  </p:clrMapOvr>
+</p:sld>
+</file>
+
+<file path=ppt/slides/slide14.xml><?xml version="1.0" encoding="utf-8"?>
+<p:sld xmlns:a="http://schemas.openxmlformats.org/drawingml/2006/main" xmlns:r="http://schemas.openxmlformats.org/officeDocument/2006/relationships" xmlns:p="http://schemas.openxmlformats.org/presentationml/2006/main">
+  <p:cSld>
+    <p:spTree>
+      <p:nvGrpSpPr>
+        <p:cNvPr id="1" name=""/>
+        <p:cNvGrpSpPr/>
+        <p:nvPr/>
+      </p:nvGrpSpPr>
+      <p:grpSpPr>
+        <a:xfrm>
+          <a:off x="0" y="0"/>
+          <a:ext cx="0" cy="0"/>
+          <a:chOff x="0" y="0"/>
+          <a:chExt cx="0" cy="0"/>
+        </a:xfrm>
+      </p:grpSpPr>
+      <p:sp>
+        <p:nvSpPr>
+          <p:cNvPr id="2" name="Title 1">
+            <a:extLst>
+              <a:ext uri="{FF2B5EF4-FFF2-40B4-BE49-F238E27FC236}">
+                <a16:creationId xmlns:a16="http://schemas.microsoft.com/office/drawing/2014/main" id="{51E05328-C6FC-E347-E29C-83C000B79B61}"/>
+              </a:ext>
+            </a:extLst>
+          </p:cNvPr>
+          <p:cNvSpPr>
+            <a:spLocks noGrp="1"/>
+          </p:cNvSpPr>
+          <p:nvPr>
+            <p:ph type="title"/>
+          </p:nvPr>
+        </p:nvSpPr>
+        <p:spPr/>
+        <p:txBody>
+          <a:bodyPr/>
+          <a:lstStyle/>
+          <a:p>
+            <a:endParaRPr lang="en-US"/>
+          </a:p>
+        </p:txBody>
+      </p:sp>
+      <p:sp>
+        <p:nvSpPr>
+          <p:cNvPr id="3" name="Content Placeholder 2">
+            <a:extLst>
+              <a:ext uri="{FF2B5EF4-FFF2-40B4-BE49-F238E27FC236}">
+                <a16:creationId xmlns:a16="http://schemas.microsoft.com/office/drawing/2014/main" id="{5DDF65F6-C8B0-19F6-3BD6-54AF35316E4B}"/>
+              </a:ext>
+            </a:extLst>
+          </p:cNvPr>
+          <p:cNvSpPr>
+            <a:spLocks noGrp="1"/>
+          </p:cNvSpPr>
+          <p:nvPr>
+            <p:ph idx="1"/>
+          </p:nvPr>
+        </p:nvSpPr>
+        <p:spPr/>
+        <p:txBody>
+          <a:bodyPr/>
+          <a:lstStyle/>
+          <a:p>
+            <a:r>
+              <a:rPr lang="en-US" dirty="0"/>
               <a:t>According to Grimmer et al. (2022), in addition to tokenization we need:</a:t>
             </a:r>
           </a:p>
@@ -8850,7 +9039,7 @@
 </p:sld>
 </file>
 
-<file path=ppt/slides/slide14.xml><?xml version="1.0" encoding="utf-8"?>
+<file path=ppt/slides/slide15.xml><?xml version="1.0" encoding="utf-8"?>
 <p:sld xmlns:a="http://schemas.openxmlformats.org/drawingml/2006/main" xmlns:r="http://schemas.openxmlformats.org/officeDocument/2006/relationships" xmlns:p="http://schemas.openxmlformats.org/presentationml/2006/main">
   <p:cSld>
     <p:spTree>
@@ -8996,7 +9185,7 @@
 </p:sld>
 </file>
 
-<file path=ppt/slides/slide15.xml><?xml version="1.0" encoding="utf-8"?>
+<file path=ppt/slides/slide16.xml><?xml version="1.0" encoding="utf-8"?>
 <p:sld xmlns:a="http://schemas.openxmlformats.org/drawingml/2006/main" xmlns:r="http://schemas.openxmlformats.org/officeDocument/2006/relationships" xmlns:p="http://schemas.openxmlformats.org/presentationml/2006/main">
   <p:cSld>
     <p:spTree>
@@ -9141,7 +9330,7 @@
 </p:sld>
 </file>
 
-<file path=ppt/slides/slide16.xml><?xml version="1.0" encoding="utf-8"?>
+<file path=ppt/slides/slide17.xml><?xml version="1.0" encoding="utf-8"?>
 <p:sld xmlns:a="http://schemas.openxmlformats.org/drawingml/2006/main" xmlns:r="http://schemas.openxmlformats.org/officeDocument/2006/relationships" xmlns:p="http://schemas.openxmlformats.org/presentationml/2006/main">
   <p:cSld>
     <p:spTree>
@@ -9282,7 +9471,7 @@
 </p:sld>
 </file>
 
-<file path=ppt/slides/slide17.xml><?xml version="1.0" encoding="utf-8"?>
+<file path=ppt/slides/slide18.xml><?xml version="1.0" encoding="utf-8"?>
 <p:sld xmlns:a="http://schemas.openxmlformats.org/drawingml/2006/main" xmlns:r="http://schemas.openxmlformats.org/officeDocument/2006/relationships" xmlns:p="http://schemas.openxmlformats.org/presentationml/2006/main">
   <p:cSld>
     <p:spTree>
@@ -9415,7 +9604,7 @@
 </p:sld>
 </file>
 
-<file path=ppt/slides/slide18.xml><?xml version="1.0" encoding="utf-8"?>
+<file path=ppt/slides/slide19.xml><?xml version="1.0" encoding="utf-8"?>
 <p:sld xmlns:a="http://schemas.openxmlformats.org/drawingml/2006/main" xmlns:r="http://schemas.openxmlformats.org/officeDocument/2006/relationships" xmlns:p="http://schemas.openxmlformats.org/presentationml/2006/main">
   <p:cSld>
     <p:spTree>
@@ -9526,7 +9715,93 @@
 </p:sld>
 </file>
 
-<file path=ppt/slides/slide19.xml><?xml version="1.0" encoding="utf-8"?>
+<file path=ppt/slides/slide2.xml><?xml version="1.0" encoding="utf-8"?>
+<p:sld xmlns:a="http://schemas.openxmlformats.org/drawingml/2006/main" xmlns:r="http://schemas.openxmlformats.org/officeDocument/2006/relationships" xmlns:p="http://schemas.openxmlformats.org/presentationml/2006/main">
+  <p:cSld>
+    <p:spTree>
+      <p:nvGrpSpPr>
+        <p:cNvPr id="1" name=""/>
+        <p:cNvGrpSpPr/>
+        <p:nvPr/>
+      </p:nvGrpSpPr>
+      <p:grpSpPr>
+        <a:xfrm>
+          <a:off x="0" y="0"/>
+          <a:ext cx="0" cy="0"/>
+          <a:chOff x="0" y="0"/>
+          <a:chExt cx="0" cy="0"/>
+        </a:xfrm>
+      </p:grpSpPr>
+      <p:sp>
+        <p:nvSpPr>
+          <p:cNvPr id="2" name="Title 1">
+            <a:extLst>
+              <a:ext uri="{FF2B5EF4-FFF2-40B4-BE49-F238E27FC236}">
+                <a16:creationId xmlns:a16="http://schemas.microsoft.com/office/drawing/2014/main" id="{BD717BFB-4465-1173-70A1-D9790CB2CBBD}"/>
+              </a:ext>
+            </a:extLst>
+          </p:cNvPr>
+          <p:cNvSpPr>
+            <a:spLocks noGrp="1"/>
+          </p:cNvSpPr>
+          <p:nvPr>
+            <p:ph type="ctrTitle"/>
+          </p:nvPr>
+        </p:nvSpPr>
+        <p:spPr/>
+        <p:txBody>
+          <a:bodyPr/>
+          <a:lstStyle/>
+          <a:p>
+            <a:r>
+              <a:rPr lang="en-US" sz="8800" dirty="0"/>
+              <a:t>Tokenization and Word Frequency</a:t>
+            </a:r>
+          </a:p>
+        </p:txBody>
+      </p:sp>
+      <p:sp>
+        <p:nvSpPr>
+          <p:cNvPr id="3" name="Subtitle 2">
+            <a:extLst>
+              <a:ext uri="{FF2B5EF4-FFF2-40B4-BE49-F238E27FC236}">
+                <a16:creationId xmlns:a16="http://schemas.microsoft.com/office/drawing/2014/main" id="{0BB545C2-8580-B027-A1F2-6454EC8ECD39}"/>
+              </a:ext>
+            </a:extLst>
+          </p:cNvPr>
+          <p:cNvSpPr>
+            <a:spLocks noGrp="1"/>
+          </p:cNvSpPr>
+          <p:nvPr>
+            <p:ph type="subTitle" idx="1"/>
+          </p:nvPr>
+        </p:nvSpPr>
+        <p:spPr/>
+        <p:txBody>
+          <a:bodyPr/>
+          <a:lstStyle/>
+          <a:p>
+            <a:r>
+              <a:rPr lang="en-US" dirty="0"/>
+              <a:t>Prof. Sebastián Vallejo Vera</a:t>
+            </a:r>
+          </a:p>
+        </p:txBody>
+      </p:sp>
+    </p:spTree>
+    <p:extLst>
+      <p:ext uri="{BB962C8B-B14F-4D97-AF65-F5344CB8AC3E}">
+        <p14:creationId xmlns:p14="http://schemas.microsoft.com/office/powerpoint/2010/main" val="2990253051"/>
+      </p:ext>
+    </p:extLst>
+  </p:cSld>
+  <p:clrMapOvr>
+    <a:masterClrMapping/>
+  </p:clrMapOvr>
+</p:sld>
+</file>
+
+<file path=ppt/slides/slide20.xml><?xml version="1.0" encoding="utf-8"?>
 <p:sld xmlns:a="http://schemas.openxmlformats.org/drawingml/2006/main" xmlns:r="http://schemas.openxmlformats.org/officeDocument/2006/relationships" xmlns:p="http://schemas.openxmlformats.org/presentationml/2006/main">
   <p:cSld>
     <p:spTree>
@@ -9681,105 +9956,7 @@
 </p:sld>
 </file>
 
-<file path=ppt/slides/slide2.xml><?xml version="1.0" encoding="utf-8"?>
-<p:sld xmlns:a="http://schemas.openxmlformats.org/drawingml/2006/main" xmlns:r="http://schemas.openxmlformats.org/officeDocument/2006/relationships" xmlns:p="http://schemas.openxmlformats.org/presentationml/2006/main">
-  <p:cSld>
-    <p:spTree>
-      <p:nvGrpSpPr>
-        <p:cNvPr id="1" name=""/>
-        <p:cNvGrpSpPr/>
-        <p:nvPr/>
-      </p:nvGrpSpPr>
-      <p:grpSpPr>
-        <a:xfrm>
-          <a:off x="0" y="0"/>
-          <a:ext cx="0" cy="0"/>
-          <a:chOff x="0" y="0"/>
-          <a:chExt cx="0" cy="0"/>
-        </a:xfrm>
-      </p:grpSpPr>
-      <p:sp>
-        <p:nvSpPr>
-          <p:cNvPr id="2" name="Title 1">
-            <a:extLst>
-              <a:ext uri="{FF2B5EF4-FFF2-40B4-BE49-F238E27FC236}">
-                <a16:creationId xmlns:a16="http://schemas.microsoft.com/office/drawing/2014/main" id="{22C37DDF-BB99-7322-A291-273F5F220952}"/>
-              </a:ext>
-            </a:extLst>
-          </p:cNvPr>
-          <p:cNvSpPr>
-            <a:spLocks noGrp="1"/>
-          </p:cNvSpPr>
-          <p:nvPr>
-            <p:ph type="title"/>
-          </p:nvPr>
-        </p:nvSpPr>
-        <p:spPr/>
-        <p:txBody>
-          <a:bodyPr/>
-          <a:lstStyle/>
-          <a:p>
-            <a:r>
-              <a:rPr lang="en-US" dirty="0"/>
-              <a:t>Glossary </a:t>
-            </a:r>
-          </a:p>
-        </p:txBody>
-      </p:sp>
-      <p:sp>
-        <p:nvSpPr>
-          <p:cNvPr id="3" name="Content Placeholder 2">
-            <a:extLst>
-              <a:ext uri="{FF2B5EF4-FFF2-40B4-BE49-F238E27FC236}">
-                <a16:creationId xmlns:a16="http://schemas.microsoft.com/office/drawing/2014/main" id="{EEDE7C6F-8518-71B5-974E-2A707B423FC0}"/>
-              </a:ext>
-            </a:extLst>
-          </p:cNvPr>
-          <p:cNvSpPr>
-            <a:spLocks noGrp="1"/>
-          </p:cNvSpPr>
-          <p:nvPr>
-            <p:ph idx="1"/>
-          </p:nvPr>
-        </p:nvSpPr>
-        <p:spPr/>
-        <p:txBody>
-          <a:bodyPr/>
-          <a:lstStyle/>
-          <a:p>
-            <a:r>
-              <a:rPr lang="en-US" dirty="0"/>
-              <a:t>Token = Word</a:t>
-            </a:r>
-          </a:p>
-          <a:p>
-            <a:r>
-              <a:rPr lang="en-US" dirty="0"/>
-              <a:t>Document = Collection of Tokens</a:t>
-            </a:r>
-          </a:p>
-          <a:p>
-            <a:r>
-              <a:rPr lang="en-US" dirty="0"/>
-              <a:t>Corpus = Collection of Documents</a:t>
-            </a:r>
-          </a:p>
-        </p:txBody>
-      </p:sp>
-    </p:spTree>
-    <p:extLst>
-      <p:ext uri="{BB962C8B-B14F-4D97-AF65-F5344CB8AC3E}">
-        <p14:creationId xmlns:p14="http://schemas.microsoft.com/office/powerpoint/2010/main" val="2334258681"/>
-      </p:ext>
-    </p:extLst>
-  </p:cSld>
-  <p:clrMapOvr>
-    <a:masterClrMapping/>
-  </p:clrMapOvr>
-</p:sld>
-</file>
-
-<file path=ppt/slides/slide20.xml><?xml version="1.0" encoding="utf-8"?>
+<file path=ppt/slides/slide21.xml><?xml version="1.0" encoding="utf-8"?>
 <p:sld xmlns:a="http://schemas.openxmlformats.org/drawingml/2006/main" xmlns:r="http://schemas.openxmlformats.org/officeDocument/2006/relationships" xmlns:p="http://schemas.openxmlformats.org/presentationml/2006/main">
   <p:cSld>
     <p:spTree>
@@ -10539,7 +10716,7 @@
 </p:sld>
 </file>
 
-<file path=ppt/slides/slide21.xml><?xml version="1.0" encoding="utf-8"?>
+<file path=ppt/slides/slide22.xml><?xml version="1.0" encoding="utf-8"?>
 <p:sld xmlns:a="http://schemas.openxmlformats.org/drawingml/2006/main" xmlns:r="http://schemas.openxmlformats.org/officeDocument/2006/relationships" xmlns:p="http://schemas.openxmlformats.org/presentationml/2006/main">
   <p:cSld>
     <p:spTree>
@@ -10640,7 +10817,7 @@
 </p:sld>
 </file>
 
-<file path=ppt/slides/slide22.xml><?xml version="1.0" encoding="utf-8"?>
+<file path=ppt/slides/slide23.xml><?xml version="1.0" encoding="utf-8"?>
 <p:sld xmlns:a="http://schemas.openxmlformats.org/drawingml/2006/main" xmlns:r="http://schemas.openxmlformats.org/officeDocument/2006/relationships" xmlns:p="http://schemas.openxmlformats.org/presentationml/2006/main">
   <p:cSld>
     <p:spTree>
@@ -10879,8 +11056,8 @@
           </a:p>
         </p:txBody>
       </p:sp>
-      <mc:AlternateContent xmlns:mc="http://schemas.openxmlformats.org/markup-compatibility/2006">
-        <mc:Choice xmlns:p14="http://schemas.microsoft.com/office/powerpoint/2010/main" xmlns:aink="http://schemas.microsoft.com/office/drawing/2016/ink" Requires="p14 aink">
+      <mc:AlternateContent xmlns:mc="http://schemas.openxmlformats.org/markup-compatibility/2006" xmlns:p14="http://schemas.microsoft.com/office/powerpoint/2010/main" xmlns:aink="http://schemas.microsoft.com/office/drawing/2016/ink">
+        <mc:Choice Requires="p14 aink">
           <p:contentPart p14:bwMode="auto" r:id="rId2">
             <p14:nvContentPartPr>
               <p14:cNvPr id="15" name="Ink 14">
@@ -10899,7 +11076,7 @@
             </p14:xfrm>
           </p:contentPart>
         </mc:Choice>
-        <mc:Fallback>
+        <mc:Fallback xmlns="">
           <p:pic>
             <p:nvPicPr>
               <p:cNvPr id="15" name="Ink 14">
@@ -10950,8 +11127,8 @@
             <a:chExt cx="2451240" cy="2063160"/>
           </a:xfrm>
         </p:grpSpPr>
-        <mc:AlternateContent xmlns:mc="http://schemas.openxmlformats.org/markup-compatibility/2006">
-          <mc:Choice xmlns:p14="http://schemas.microsoft.com/office/powerpoint/2010/main" xmlns:aink="http://schemas.microsoft.com/office/drawing/2016/ink" Requires="p14 aink">
+        <mc:AlternateContent xmlns:mc="http://schemas.openxmlformats.org/markup-compatibility/2006" xmlns:p14="http://schemas.microsoft.com/office/powerpoint/2010/main" xmlns:aink="http://schemas.microsoft.com/office/drawing/2016/ink">
+          <mc:Choice Requires="p14 aink">
             <p:contentPart p14:bwMode="auto" r:id="rId4">
               <p14:nvContentPartPr>
                 <p14:cNvPr id="16" name="Ink 15">
@@ -10970,7 +11147,7 @@
               </p14:xfrm>
             </p:contentPart>
           </mc:Choice>
-          <mc:Fallback>
+          <mc:Fallback xmlns="">
             <p:pic>
               <p:nvPicPr>
                 <p:cNvPr id="16" name="Ink 15">
@@ -11001,8 +11178,8 @@
             </p:pic>
           </mc:Fallback>
         </mc:AlternateContent>
-        <mc:AlternateContent xmlns:mc="http://schemas.openxmlformats.org/markup-compatibility/2006">
-          <mc:Choice xmlns:p14="http://schemas.microsoft.com/office/powerpoint/2010/main" xmlns:aink="http://schemas.microsoft.com/office/drawing/2016/ink" Requires="p14 aink">
+        <mc:AlternateContent xmlns:mc="http://schemas.openxmlformats.org/markup-compatibility/2006" xmlns:p14="http://schemas.microsoft.com/office/powerpoint/2010/main" xmlns:aink="http://schemas.microsoft.com/office/drawing/2016/ink">
+          <mc:Choice Requires="p14 aink">
             <p:contentPart p14:bwMode="auto" r:id="rId6">
               <p14:nvContentPartPr>
                 <p14:cNvPr id="17" name="Ink 16">
@@ -11021,7 +11198,7 @@
               </p14:xfrm>
             </p:contentPart>
           </mc:Choice>
-          <mc:Fallback>
+          <mc:Fallback xmlns="">
             <p:pic>
               <p:nvPicPr>
                 <p:cNvPr id="17" name="Ink 16">
@@ -11073,8 +11250,8 @@
             <a:chExt cx="1047240" cy="686880"/>
           </a:xfrm>
         </p:grpSpPr>
-        <mc:AlternateContent xmlns:mc="http://schemas.openxmlformats.org/markup-compatibility/2006">
-          <mc:Choice xmlns:p14="http://schemas.microsoft.com/office/powerpoint/2010/main" xmlns:aink="http://schemas.microsoft.com/office/drawing/2016/ink" Requires="p14 aink">
+        <mc:AlternateContent xmlns:mc="http://schemas.openxmlformats.org/markup-compatibility/2006" xmlns:p14="http://schemas.microsoft.com/office/powerpoint/2010/main" xmlns:aink="http://schemas.microsoft.com/office/drawing/2016/ink">
+          <mc:Choice Requires="p14 aink">
             <p:contentPart p14:bwMode="auto" r:id="rId8">
               <p14:nvContentPartPr>
                 <p14:cNvPr id="19" name="Ink 18">
@@ -11093,7 +11270,7 @@
               </p14:xfrm>
             </p:contentPart>
           </mc:Choice>
-          <mc:Fallback>
+          <mc:Fallback xmlns="">
             <p:pic>
               <p:nvPicPr>
                 <p:cNvPr id="19" name="Ink 18">
@@ -11124,8 +11301,8 @@
             </p:pic>
           </mc:Fallback>
         </mc:AlternateContent>
-        <mc:AlternateContent xmlns:mc="http://schemas.openxmlformats.org/markup-compatibility/2006">
-          <mc:Choice xmlns:p14="http://schemas.microsoft.com/office/powerpoint/2010/main" xmlns:aink="http://schemas.microsoft.com/office/drawing/2016/ink" Requires="p14 aink">
+        <mc:AlternateContent xmlns:mc="http://schemas.openxmlformats.org/markup-compatibility/2006" xmlns:p14="http://schemas.microsoft.com/office/powerpoint/2010/main" xmlns:aink="http://schemas.microsoft.com/office/drawing/2016/ink">
+          <mc:Choice Requires="p14 aink">
             <p:contentPart p14:bwMode="auto" r:id="rId10">
               <p14:nvContentPartPr>
                 <p14:cNvPr id="20" name="Ink 19">
@@ -11144,7 +11321,7 @@
               </p14:xfrm>
             </p:contentPart>
           </mc:Choice>
-          <mc:Fallback>
+          <mc:Fallback xmlns="">
             <p:pic>
               <p:nvPicPr>
                 <p:cNvPr id="20" name="Ink 19">
@@ -11175,8 +11352,8 @@
             </p:pic>
           </mc:Fallback>
         </mc:AlternateContent>
-        <mc:AlternateContent xmlns:mc="http://schemas.openxmlformats.org/markup-compatibility/2006">
-          <mc:Choice xmlns:p14="http://schemas.microsoft.com/office/powerpoint/2010/main" xmlns:aink="http://schemas.microsoft.com/office/drawing/2016/ink" Requires="p14 aink">
+        <mc:AlternateContent xmlns:mc="http://schemas.openxmlformats.org/markup-compatibility/2006" xmlns:p14="http://schemas.microsoft.com/office/powerpoint/2010/main" xmlns:aink="http://schemas.microsoft.com/office/drawing/2016/ink">
+          <mc:Choice Requires="p14 aink">
             <p:contentPart p14:bwMode="auto" r:id="rId12">
               <p14:nvContentPartPr>
                 <p14:cNvPr id="22" name="Ink 21">
@@ -11195,7 +11372,7 @@
               </p14:xfrm>
             </p:contentPart>
           </mc:Choice>
-          <mc:Fallback>
+          <mc:Fallback xmlns="">
             <p:pic>
               <p:nvPicPr>
                 <p:cNvPr id="22" name="Ink 21">
@@ -11226,8 +11403,8 @@
             </p:pic>
           </mc:Fallback>
         </mc:AlternateContent>
-        <mc:AlternateContent xmlns:mc="http://schemas.openxmlformats.org/markup-compatibility/2006">
-          <mc:Choice xmlns:p14="http://schemas.microsoft.com/office/powerpoint/2010/main" xmlns:aink="http://schemas.microsoft.com/office/drawing/2016/ink" Requires="p14 aink">
+        <mc:AlternateContent xmlns:mc="http://schemas.openxmlformats.org/markup-compatibility/2006" xmlns:p14="http://schemas.microsoft.com/office/powerpoint/2010/main" xmlns:aink="http://schemas.microsoft.com/office/drawing/2016/ink">
+          <mc:Choice Requires="p14 aink">
             <p:contentPart p14:bwMode="auto" r:id="rId14">
               <p14:nvContentPartPr>
                 <p14:cNvPr id="24" name="Ink 23">
@@ -11246,7 +11423,7 @@
               </p14:xfrm>
             </p:contentPart>
           </mc:Choice>
-          <mc:Fallback>
+          <mc:Fallback xmlns="">
             <p:pic>
               <p:nvPicPr>
                 <p:cNvPr id="24" name="Ink 23">
@@ -11278,8 +11455,8 @@
           </mc:Fallback>
         </mc:AlternateContent>
       </p:grpSp>
-      <mc:AlternateContent xmlns:mc="http://schemas.openxmlformats.org/markup-compatibility/2006">
-        <mc:Choice xmlns:p14="http://schemas.microsoft.com/office/powerpoint/2010/main" xmlns:aink="http://schemas.microsoft.com/office/drawing/2016/ink" Requires="p14 aink">
+      <mc:AlternateContent xmlns:mc="http://schemas.openxmlformats.org/markup-compatibility/2006" xmlns:p14="http://schemas.microsoft.com/office/powerpoint/2010/main" xmlns:aink="http://schemas.microsoft.com/office/drawing/2016/ink">
+        <mc:Choice Requires="p14 aink">
           <p:contentPart p14:bwMode="auto" r:id="rId16">
             <p14:nvContentPartPr>
               <p14:cNvPr id="26" name="Ink 25">
@@ -11298,7 +11475,7 @@
             </p14:xfrm>
           </p:contentPart>
         </mc:Choice>
-        <mc:Fallback>
+        <mc:Fallback xmlns="">
           <p:pic>
             <p:nvPicPr>
               <p:cNvPr id="26" name="Ink 25">
@@ -11329,8 +11506,8 @@
           </p:pic>
         </mc:Fallback>
       </mc:AlternateContent>
-      <mc:AlternateContent xmlns:mc="http://schemas.openxmlformats.org/markup-compatibility/2006">
-        <mc:Choice xmlns:p14="http://schemas.microsoft.com/office/powerpoint/2010/main" xmlns:aink="http://schemas.microsoft.com/office/drawing/2016/ink" Requires="p14 aink">
+      <mc:AlternateContent xmlns:mc="http://schemas.openxmlformats.org/markup-compatibility/2006" xmlns:p14="http://schemas.microsoft.com/office/powerpoint/2010/main" xmlns:aink="http://schemas.microsoft.com/office/drawing/2016/ink">
+        <mc:Choice Requires="p14 aink">
           <p:contentPart p14:bwMode="auto" r:id="rId18">
             <p14:nvContentPartPr>
               <p14:cNvPr id="27" name="Ink 26">
@@ -11349,7 +11526,7 @@
             </p14:xfrm>
           </p:contentPart>
         </mc:Choice>
-        <mc:Fallback>
+        <mc:Fallback xmlns="">
           <p:pic>
             <p:nvPicPr>
               <p:cNvPr id="27" name="Ink 26">
@@ -11393,7 +11570,7 @@
 </p:sld>
 </file>
 
-<file path=ppt/slides/slide23.xml><?xml version="1.0" encoding="utf-8"?>
+<file path=ppt/slides/slide24.xml><?xml version="1.0" encoding="utf-8"?>
 <p:sld xmlns:a="http://schemas.openxmlformats.org/drawingml/2006/main" xmlns:r="http://schemas.openxmlformats.org/officeDocument/2006/relationships" xmlns:p="http://schemas.openxmlformats.org/presentationml/2006/main">
   <p:cSld>
     <p:spTree>
@@ -11665,7 +11842,7 @@
 </p:sld>
 </file>
 
-<file path=ppt/slides/slide24.xml><?xml version="1.0" encoding="utf-8"?>
+<file path=ppt/slides/slide25.xml><?xml version="1.0" encoding="utf-8"?>
 <p:sld xmlns:a="http://schemas.openxmlformats.org/drawingml/2006/main" xmlns:r="http://schemas.openxmlformats.org/officeDocument/2006/relationships" xmlns:p="http://schemas.openxmlformats.org/presentationml/2006/main">
   <p:cSld>
     <p:spTree>
@@ -11834,8 +12011,8 @@
           </a:p>
         </p:txBody>
       </p:sp>
-      <mc:AlternateContent xmlns:mc="http://schemas.openxmlformats.org/markup-compatibility/2006">
-        <mc:Choice xmlns:p14="http://schemas.microsoft.com/office/powerpoint/2010/main" xmlns:aink="http://schemas.microsoft.com/office/drawing/2016/ink" Requires="p14 aink">
+      <mc:AlternateContent xmlns:mc="http://schemas.openxmlformats.org/markup-compatibility/2006" xmlns:p14="http://schemas.microsoft.com/office/powerpoint/2010/main" xmlns:aink="http://schemas.microsoft.com/office/drawing/2016/ink">
+        <mc:Choice Requires="p14 aink">
           <p:contentPart p14:bwMode="auto" r:id="rId2">
             <p14:nvContentPartPr>
               <p14:cNvPr id="8" name="Ink 7">
@@ -11854,7 +12031,7 @@
             </p14:xfrm>
           </p:contentPart>
         </mc:Choice>
-        <mc:Fallback>
+        <mc:Fallback xmlns="">
           <p:pic>
             <p:nvPicPr>
               <p:cNvPr id="8" name="Ink 7">
@@ -11905,8 +12082,8 @@
             <a:chExt cx="2451240" cy="2063160"/>
           </a:xfrm>
         </p:grpSpPr>
-        <mc:AlternateContent xmlns:mc="http://schemas.openxmlformats.org/markup-compatibility/2006">
-          <mc:Choice xmlns:p14="http://schemas.microsoft.com/office/powerpoint/2010/main" xmlns:aink="http://schemas.microsoft.com/office/drawing/2016/ink" Requires="p14 aink">
+        <mc:AlternateContent xmlns:mc="http://schemas.openxmlformats.org/markup-compatibility/2006" xmlns:p14="http://schemas.microsoft.com/office/powerpoint/2010/main" xmlns:aink="http://schemas.microsoft.com/office/drawing/2016/ink">
+          <mc:Choice Requires="p14 aink">
             <p:contentPart p14:bwMode="auto" r:id="rId4">
               <p14:nvContentPartPr>
                 <p14:cNvPr id="10" name="Ink 9">
@@ -11925,7 +12102,7 @@
               </p14:xfrm>
             </p:contentPart>
           </mc:Choice>
-          <mc:Fallback>
+          <mc:Fallback xmlns="">
             <p:pic>
               <p:nvPicPr>
                 <p:cNvPr id="10" name="Ink 9">
@@ -11956,8 +12133,8 @@
             </p:pic>
           </mc:Fallback>
         </mc:AlternateContent>
-        <mc:AlternateContent xmlns:mc="http://schemas.openxmlformats.org/markup-compatibility/2006">
-          <mc:Choice xmlns:p14="http://schemas.microsoft.com/office/powerpoint/2010/main" xmlns:aink="http://schemas.microsoft.com/office/drawing/2016/ink" Requires="p14 aink">
+        <mc:AlternateContent xmlns:mc="http://schemas.openxmlformats.org/markup-compatibility/2006" xmlns:p14="http://schemas.microsoft.com/office/powerpoint/2010/main" xmlns:aink="http://schemas.microsoft.com/office/drawing/2016/ink">
+          <mc:Choice Requires="p14 aink">
             <p:contentPart p14:bwMode="auto" r:id="rId6">
               <p14:nvContentPartPr>
                 <p14:cNvPr id="11" name="Ink 10">
@@ -11976,7 +12153,7 @@
               </p14:xfrm>
             </p:contentPart>
           </mc:Choice>
-          <mc:Fallback>
+          <mc:Fallback xmlns="">
             <p:pic>
               <p:nvPicPr>
                 <p:cNvPr id="11" name="Ink 10">
@@ -12028,8 +12205,8 @@
             <a:chExt cx="1047240" cy="686880"/>
           </a:xfrm>
         </p:grpSpPr>
-        <mc:AlternateContent xmlns:mc="http://schemas.openxmlformats.org/markup-compatibility/2006">
-          <mc:Choice xmlns:p14="http://schemas.microsoft.com/office/powerpoint/2010/main" xmlns:aink="http://schemas.microsoft.com/office/drawing/2016/ink" Requires="p14 aink">
+        <mc:AlternateContent xmlns:mc="http://schemas.openxmlformats.org/markup-compatibility/2006" xmlns:p14="http://schemas.microsoft.com/office/powerpoint/2010/main" xmlns:aink="http://schemas.microsoft.com/office/drawing/2016/ink">
+          <mc:Choice Requires="p14 aink">
             <p:contentPart p14:bwMode="auto" r:id="rId8">
               <p14:nvContentPartPr>
                 <p14:cNvPr id="13" name="Ink 12">
@@ -12048,7 +12225,7 @@
               </p14:xfrm>
             </p:contentPart>
           </mc:Choice>
-          <mc:Fallback>
+          <mc:Fallback xmlns="">
             <p:pic>
               <p:nvPicPr>
                 <p:cNvPr id="13" name="Ink 12">
@@ -12079,8 +12256,8 @@
             </p:pic>
           </mc:Fallback>
         </mc:AlternateContent>
-        <mc:AlternateContent xmlns:mc="http://schemas.openxmlformats.org/markup-compatibility/2006">
-          <mc:Choice xmlns:p14="http://schemas.microsoft.com/office/powerpoint/2010/main" xmlns:aink="http://schemas.microsoft.com/office/drawing/2016/ink" Requires="p14 aink">
+        <mc:AlternateContent xmlns:mc="http://schemas.openxmlformats.org/markup-compatibility/2006" xmlns:p14="http://schemas.microsoft.com/office/powerpoint/2010/main" xmlns:aink="http://schemas.microsoft.com/office/drawing/2016/ink">
+          <mc:Choice Requires="p14 aink">
             <p:contentPart p14:bwMode="auto" r:id="rId10">
               <p14:nvContentPartPr>
                 <p14:cNvPr id="14" name="Ink 13">
@@ -12099,7 +12276,7 @@
               </p14:xfrm>
             </p:contentPart>
           </mc:Choice>
-          <mc:Fallback>
+          <mc:Fallback xmlns="">
             <p:pic>
               <p:nvPicPr>
                 <p:cNvPr id="14" name="Ink 13">
@@ -12130,8 +12307,8 @@
             </p:pic>
           </mc:Fallback>
         </mc:AlternateContent>
-        <mc:AlternateContent xmlns:mc="http://schemas.openxmlformats.org/markup-compatibility/2006">
-          <mc:Choice xmlns:p14="http://schemas.microsoft.com/office/powerpoint/2010/main" xmlns:aink="http://schemas.microsoft.com/office/drawing/2016/ink" Requires="p14 aink">
+        <mc:AlternateContent xmlns:mc="http://schemas.openxmlformats.org/markup-compatibility/2006" xmlns:p14="http://schemas.microsoft.com/office/powerpoint/2010/main" xmlns:aink="http://schemas.microsoft.com/office/drawing/2016/ink">
+          <mc:Choice Requires="p14 aink">
             <p:contentPart p14:bwMode="auto" r:id="rId12">
               <p14:nvContentPartPr>
                 <p14:cNvPr id="15" name="Ink 14">
@@ -12150,7 +12327,7 @@
               </p14:xfrm>
             </p:contentPart>
           </mc:Choice>
-          <mc:Fallback>
+          <mc:Fallback xmlns="">
             <p:pic>
               <p:nvPicPr>
                 <p:cNvPr id="15" name="Ink 14">
@@ -12181,8 +12358,8 @@
             </p:pic>
           </mc:Fallback>
         </mc:AlternateContent>
-        <mc:AlternateContent xmlns:mc="http://schemas.openxmlformats.org/markup-compatibility/2006">
-          <mc:Choice xmlns:p14="http://schemas.microsoft.com/office/powerpoint/2010/main" xmlns:aink="http://schemas.microsoft.com/office/drawing/2016/ink" Requires="p14 aink">
+        <mc:AlternateContent xmlns:mc="http://schemas.openxmlformats.org/markup-compatibility/2006" xmlns:p14="http://schemas.microsoft.com/office/powerpoint/2010/main" xmlns:aink="http://schemas.microsoft.com/office/drawing/2016/ink">
+          <mc:Choice Requires="p14 aink">
             <p:contentPart p14:bwMode="auto" r:id="rId14">
               <p14:nvContentPartPr>
                 <p14:cNvPr id="16" name="Ink 15">
@@ -12201,7 +12378,7 @@
               </p14:xfrm>
             </p:contentPart>
           </mc:Choice>
-          <mc:Fallback>
+          <mc:Fallback xmlns="">
             <p:pic>
               <p:nvPicPr>
                 <p:cNvPr id="16" name="Ink 15">
@@ -12233,8 +12410,8 @@
           </mc:Fallback>
         </mc:AlternateContent>
       </p:grpSp>
-      <mc:AlternateContent xmlns:mc="http://schemas.openxmlformats.org/markup-compatibility/2006">
-        <mc:Choice xmlns:p14="http://schemas.microsoft.com/office/powerpoint/2010/main" xmlns:aink="http://schemas.microsoft.com/office/drawing/2016/ink" Requires="p14 aink">
+      <mc:AlternateContent xmlns:mc="http://schemas.openxmlformats.org/markup-compatibility/2006" xmlns:p14="http://schemas.microsoft.com/office/powerpoint/2010/main" xmlns:aink="http://schemas.microsoft.com/office/drawing/2016/ink">
+        <mc:Choice Requires="p14 aink">
           <p:contentPart p14:bwMode="auto" r:id="rId16">
             <p14:nvContentPartPr>
               <p14:cNvPr id="17" name="Ink 16">
@@ -12253,7 +12430,7 @@
             </p14:xfrm>
           </p:contentPart>
         </mc:Choice>
-        <mc:Fallback>
+        <mc:Fallback xmlns="">
           <p:pic>
             <p:nvPicPr>
               <p:cNvPr id="17" name="Ink 16">
@@ -12284,8 +12461,8 @@
           </p:pic>
         </mc:Fallback>
       </mc:AlternateContent>
-      <mc:AlternateContent xmlns:mc="http://schemas.openxmlformats.org/markup-compatibility/2006">
-        <mc:Choice xmlns:p14="http://schemas.microsoft.com/office/powerpoint/2010/main" xmlns:aink="http://schemas.microsoft.com/office/drawing/2016/ink" Requires="p14 aink">
+      <mc:AlternateContent xmlns:mc="http://schemas.openxmlformats.org/markup-compatibility/2006" xmlns:p14="http://schemas.microsoft.com/office/powerpoint/2010/main" xmlns:aink="http://schemas.microsoft.com/office/drawing/2016/ink">
+        <mc:Choice Requires="p14 aink">
           <p:contentPart p14:bwMode="auto" r:id="rId18">
             <p14:nvContentPartPr>
               <p14:cNvPr id="18" name="Ink 17">
@@ -12304,7 +12481,7 @@
             </p14:xfrm>
           </p:contentPart>
         </mc:Choice>
-        <mc:Fallback>
+        <mc:Fallback xmlns="">
           <p:pic>
             <p:nvPicPr>
               <p:cNvPr id="18" name="Ink 17">
@@ -12507,8 +12684,8 @@
             <a:chExt cx="2647080" cy="142920"/>
           </a:xfrm>
         </p:grpSpPr>
-        <mc:AlternateContent xmlns:mc="http://schemas.openxmlformats.org/markup-compatibility/2006">
-          <mc:Choice xmlns:p14="http://schemas.microsoft.com/office/powerpoint/2010/main" xmlns:aink="http://schemas.microsoft.com/office/drawing/2016/ink" Requires="p14 aink">
+        <mc:AlternateContent xmlns:mc="http://schemas.openxmlformats.org/markup-compatibility/2006" xmlns:p14="http://schemas.microsoft.com/office/powerpoint/2010/main" xmlns:aink="http://schemas.microsoft.com/office/drawing/2016/ink">
+          <mc:Choice Requires="p14 aink">
             <p:contentPart p14:bwMode="auto" r:id="rId20">
               <p14:nvContentPartPr>
                 <p14:cNvPr id="26" name="Ink 25">
@@ -12527,7 +12704,7 @@
               </p14:xfrm>
             </p:contentPart>
           </mc:Choice>
-          <mc:Fallback>
+          <mc:Fallback xmlns="">
             <p:pic>
               <p:nvPicPr>
                 <p:cNvPr id="26" name="Ink 25">
@@ -12558,8 +12735,8 @@
             </p:pic>
           </mc:Fallback>
         </mc:AlternateContent>
-        <mc:AlternateContent xmlns:mc="http://schemas.openxmlformats.org/markup-compatibility/2006">
-          <mc:Choice xmlns:p14="http://schemas.microsoft.com/office/powerpoint/2010/main" xmlns:aink="http://schemas.microsoft.com/office/drawing/2016/ink" Requires="p14 aink">
+        <mc:AlternateContent xmlns:mc="http://schemas.openxmlformats.org/markup-compatibility/2006" xmlns:p14="http://schemas.microsoft.com/office/powerpoint/2010/main" xmlns:aink="http://schemas.microsoft.com/office/drawing/2016/ink">
+          <mc:Choice Requires="p14 aink">
             <p:contentPart p14:bwMode="auto" r:id="rId22">
               <p14:nvContentPartPr>
                 <p14:cNvPr id="27" name="Ink 26">
@@ -12578,7 +12755,7 @@
               </p14:xfrm>
             </p:contentPart>
           </mc:Choice>
-          <mc:Fallback>
+          <mc:Fallback xmlns="">
             <p:pic>
               <p:nvPicPr>
                 <p:cNvPr id="27" name="Ink 26">
@@ -12609,8 +12786,8 @@
             </p:pic>
           </mc:Fallback>
         </mc:AlternateContent>
-        <mc:AlternateContent xmlns:mc="http://schemas.openxmlformats.org/markup-compatibility/2006">
-          <mc:Choice xmlns:p14="http://schemas.microsoft.com/office/powerpoint/2010/main" xmlns:aink="http://schemas.microsoft.com/office/drawing/2016/ink" Requires="p14 aink">
+        <mc:AlternateContent xmlns:mc="http://schemas.openxmlformats.org/markup-compatibility/2006" xmlns:p14="http://schemas.microsoft.com/office/powerpoint/2010/main" xmlns:aink="http://schemas.microsoft.com/office/drawing/2016/ink">
+          <mc:Choice Requires="p14 aink">
             <p:contentPart p14:bwMode="auto" r:id="rId24">
               <p14:nvContentPartPr>
                 <p14:cNvPr id="29" name="Ink 28">
@@ -12629,7 +12806,7 @@
               </p14:xfrm>
             </p:contentPart>
           </mc:Choice>
-          <mc:Fallback>
+          <mc:Fallback xmlns="">
             <p:pic>
               <p:nvPicPr>
                 <p:cNvPr id="29" name="Ink 28">
@@ -12660,8 +12837,8 @@
             </p:pic>
           </mc:Fallback>
         </mc:AlternateContent>
-        <mc:AlternateContent xmlns:mc="http://schemas.openxmlformats.org/markup-compatibility/2006">
-          <mc:Choice xmlns:p14="http://schemas.microsoft.com/office/powerpoint/2010/main" xmlns:aink="http://schemas.microsoft.com/office/drawing/2016/ink" Requires="p14 aink">
+        <mc:AlternateContent xmlns:mc="http://schemas.openxmlformats.org/markup-compatibility/2006" xmlns:p14="http://schemas.microsoft.com/office/powerpoint/2010/main" xmlns:aink="http://schemas.microsoft.com/office/drawing/2016/ink">
+          <mc:Choice Requires="p14 aink">
             <p:contentPart p14:bwMode="auto" r:id="rId26">
               <p14:nvContentPartPr>
                 <p14:cNvPr id="31" name="Ink 30">
@@ -12680,7 +12857,7 @@
               </p14:xfrm>
             </p:contentPart>
           </mc:Choice>
-          <mc:Fallback>
+          <mc:Fallback xmlns="">
             <p:pic>
               <p:nvPicPr>
                 <p:cNvPr id="31" name="Ink 30">
@@ -12711,8 +12888,8 @@
             </p:pic>
           </mc:Fallback>
         </mc:AlternateContent>
-        <mc:AlternateContent xmlns:mc="http://schemas.openxmlformats.org/markup-compatibility/2006">
-          <mc:Choice xmlns:p14="http://schemas.microsoft.com/office/powerpoint/2010/main" xmlns:aink="http://schemas.microsoft.com/office/drawing/2016/ink" Requires="p14 aink">
+        <mc:AlternateContent xmlns:mc="http://schemas.openxmlformats.org/markup-compatibility/2006" xmlns:p14="http://schemas.microsoft.com/office/powerpoint/2010/main" xmlns:aink="http://schemas.microsoft.com/office/drawing/2016/ink">
+          <mc:Choice Requires="p14 aink">
             <p:contentPart p14:bwMode="auto" r:id="rId28">
               <p14:nvContentPartPr>
                 <p14:cNvPr id="33" name="Ink 32">
@@ -12731,7 +12908,7 @@
               </p14:xfrm>
             </p:contentPart>
           </mc:Choice>
-          <mc:Fallback>
+          <mc:Fallback xmlns="">
             <p:pic>
               <p:nvPicPr>
                 <p:cNvPr id="33" name="Ink 32">
@@ -12762,8 +12939,8 @@
             </p:pic>
           </mc:Fallback>
         </mc:AlternateContent>
-        <mc:AlternateContent xmlns:mc="http://schemas.openxmlformats.org/markup-compatibility/2006">
-          <mc:Choice xmlns:p14="http://schemas.microsoft.com/office/powerpoint/2010/main" xmlns:aink="http://schemas.microsoft.com/office/drawing/2016/ink" Requires="p14 aink">
+        <mc:AlternateContent xmlns:mc="http://schemas.openxmlformats.org/markup-compatibility/2006" xmlns:p14="http://schemas.microsoft.com/office/powerpoint/2010/main" xmlns:aink="http://schemas.microsoft.com/office/drawing/2016/ink">
+          <mc:Choice Requires="p14 aink">
             <p:contentPart p14:bwMode="auto" r:id="rId30">
               <p14:nvContentPartPr>
                 <p14:cNvPr id="35" name="Ink 34">
@@ -12782,7 +12959,7 @@
               </p14:xfrm>
             </p:contentPart>
           </mc:Choice>
-          <mc:Fallback>
+          <mc:Fallback xmlns="">
             <p:pic>
               <p:nvPicPr>
                 <p:cNvPr id="35" name="Ink 34">
@@ -12814,8 +12991,8 @@
           </mc:Fallback>
         </mc:AlternateContent>
       </p:grpSp>
-      <mc:AlternateContent xmlns:mc="http://schemas.openxmlformats.org/markup-compatibility/2006">
-        <mc:Choice xmlns:p14="http://schemas.microsoft.com/office/powerpoint/2010/main" xmlns:aink="http://schemas.microsoft.com/office/drawing/2016/ink" Requires="p14 aink">
+      <mc:AlternateContent xmlns:mc="http://schemas.openxmlformats.org/markup-compatibility/2006" xmlns:p14="http://schemas.microsoft.com/office/powerpoint/2010/main" xmlns:aink="http://schemas.microsoft.com/office/drawing/2016/ink">
+        <mc:Choice Requires="p14 aink">
           <p:contentPart p14:bwMode="auto" r:id="rId32">
             <p14:nvContentPartPr>
               <p14:cNvPr id="37" name="Ink 36">
@@ -12834,7 +13011,7 @@
             </p14:xfrm>
           </p:contentPart>
         </mc:Choice>
-        <mc:Fallback>
+        <mc:Fallback xmlns="">
           <p:pic>
             <p:nvPicPr>
               <p:cNvPr id="37" name="Ink 36">
@@ -12878,7 +13055,7 @@
 </p:sld>
 </file>
 
-<file path=ppt/slides/slide25.xml><?xml version="1.0" encoding="utf-8"?>
+<file path=ppt/slides/slide26.xml><?xml version="1.0" encoding="utf-8"?>
 <p:sld xmlns:a="http://schemas.openxmlformats.org/drawingml/2006/main" xmlns:r="http://schemas.openxmlformats.org/officeDocument/2006/relationships" xmlns:p="http://schemas.openxmlformats.org/presentationml/2006/main">
   <p:cSld>
     <p:spTree>
@@ -13219,8 +13396,8 @@
             <a:chExt cx="2686680" cy="3079800"/>
           </a:xfrm>
         </p:grpSpPr>
-        <mc:AlternateContent xmlns:mc="http://schemas.openxmlformats.org/markup-compatibility/2006">
-          <mc:Choice xmlns:p14="http://schemas.microsoft.com/office/powerpoint/2010/main" xmlns:aink="http://schemas.microsoft.com/office/drawing/2016/ink" Requires="p14 aink">
+        <mc:AlternateContent xmlns:mc="http://schemas.openxmlformats.org/markup-compatibility/2006" xmlns:p14="http://schemas.microsoft.com/office/powerpoint/2010/main" xmlns:aink="http://schemas.microsoft.com/office/drawing/2016/ink">
+          <mc:Choice Requires="p14 aink">
             <p:contentPart p14:bwMode="auto" r:id="rId2">
               <p14:nvContentPartPr>
                 <p14:cNvPr id="29" name="Ink 28">
@@ -13239,7 +13416,7 @@
               </p14:xfrm>
             </p:contentPart>
           </mc:Choice>
-          <mc:Fallback>
+          <mc:Fallback xmlns="">
             <p:pic>
               <p:nvPicPr>
                 <p:cNvPr id="29" name="Ink 28">
@@ -13270,8 +13447,8 @@
             </p:pic>
           </mc:Fallback>
         </mc:AlternateContent>
-        <mc:AlternateContent xmlns:mc="http://schemas.openxmlformats.org/markup-compatibility/2006">
-          <mc:Choice xmlns:p14="http://schemas.microsoft.com/office/powerpoint/2010/main" xmlns:aink="http://schemas.microsoft.com/office/drawing/2016/ink" Requires="p14 aink">
+        <mc:AlternateContent xmlns:mc="http://schemas.openxmlformats.org/markup-compatibility/2006" xmlns:p14="http://schemas.microsoft.com/office/powerpoint/2010/main" xmlns:aink="http://schemas.microsoft.com/office/drawing/2016/ink">
+          <mc:Choice Requires="p14 aink">
             <p:contentPart p14:bwMode="auto" r:id="rId4">
               <p14:nvContentPartPr>
                 <p14:cNvPr id="30" name="Ink 29">
@@ -13290,7 +13467,7 @@
               </p14:xfrm>
             </p:contentPart>
           </mc:Choice>
-          <mc:Fallback>
+          <mc:Fallback xmlns="">
             <p:pic>
               <p:nvPicPr>
                 <p:cNvPr id="30" name="Ink 29">
@@ -13321,8 +13498,8 @@
             </p:pic>
           </mc:Fallback>
         </mc:AlternateContent>
-        <mc:AlternateContent xmlns:mc="http://schemas.openxmlformats.org/markup-compatibility/2006">
-          <mc:Choice xmlns:p14="http://schemas.microsoft.com/office/powerpoint/2010/main" xmlns:aink="http://schemas.microsoft.com/office/drawing/2016/ink" Requires="p14 aink">
+        <mc:AlternateContent xmlns:mc="http://schemas.openxmlformats.org/markup-compatibility/2006" xmlns:p14="http://schemas.microsoft.com/office/powerpoint/2010/main" xmlns:aink="http://schemas.microsoft.com/office/drawing/2016/ink">
+          <mc:Choice Requires="p14 aink">
             <p:contentPart p14:bwMode="auto" r:id="rId6">
               <p14:nvContentPartPr>
                 <p14:cNvPr id="32" name="Ink 31">
@@ -13341,7 +13518,7 @@
               </p14:xfrm>
             </p:contentPart>
           </mc:Choice>
-          <mc:Fallback>
+          <mc:Fallback xmlns="">
             <p:pic>
               <p:nvPicPr>
                 <p:cNvPr id="32" name="Ink 31">
@@ -13373,8 +13550,8 @@
           </mc:Fallback>
         </mc:AlternateContent>
       </p:grpSp>
-      <mc:AlternateContent xmlns:mc="http://schemas.openxmlformats.org/markup-compatibility/2006">
-        <mc:Choice xmlns:p14="http://schemas.microsoft.com/office/powerpoint/2010/main" xmlns:aink="http://schemas.microsoft.com/office/drawing/2016/ink" Requires="p14 aink">
+      <mc:AlternateContent xmlns:mc="http://schemas.openxmlformats.org/markup-compatibility/2006" xmlns:p14="http://schemas.microsoft.com/office/powerpoint/2010/main" xmlns:aink="http://schemas.microsoft.com/office/drawing/2016/ink">
+        <mc:Choice Requires="p14 aink">
           <p:contentPart p14:bwMode="auto" r:id="rId8">
             <p14:nvContentPartPr>
               <p14:cNvPr id="34" name="Ink 33">
@@ -13393,7 +13570,7 @@
             </p14:xfrm>
           </p:contentPart>
         </mc:Choice>
-        <mc:Fallback>
+        <mc:Fallback xmlns="">
           <p:pic>
             <p:nvPicPr>
               <p:cNvPr id="34" name="Ink 33">
@@ -13424,8 +13601,8 @@
           </p:pic>
         </mc:Fallback>
       </mc:AlternateContent>
-      <mc:AlternateContent xmlns:mc="http://schemas.openxmlformats.org/markup-compatibility/2006">
-        <mc:Choice xmlns:p14="http://schemas.microsoft.com/office/powerpoint/2010/main" xmlns:aink="http://schemas.microsoft.com/office/drawing/2016/ink" Requires="p14 aink">
+      <mc:AlternateContent xmlns:mc="http://schemas.openxmlformats.org/markup-compatibility/2006" xmlns:p14="http://schemas.microsoft.com/office/powerpoint/2010/main" xmlns:aink="http://schemas.microsoft.com/office/drawing/2016/ink">
+        <mc:Choice Requires="p14 aink">
           <p:contentPart p14:bwMode="auto" r:id="rId10">
             <p14:nvContentPartPr>
               <p14:cNvPr id="35" name="Ink 34">
@@ -13444,7 +13621,7 @@
             </p14:xfrm>
           </p:contentPart>
         </mc:Choice>
-        <mc:Fallback>
+        <mc:Fallback xmlns="">
           <p:pic>
             <p:nvPicPr>
               <p:cNvPr id="35" name="Ink 34">
@@ -13475,8 +13652,8 @@
           </p:pic>
         </mc:Fallback>
       </mc:AlternateContent>
-      <mc:AlternateContent xmlns:mc="http://schemas.openxmlformats.org/markup-compatibility/2006">
-        <mc:Choice xmlns:p14="http://schemas.microsoft.com/office/powerpoint/2010/main" xmlns:aink="http://schemas.microsoft.com/office/drawing/2016/ink" Requires="p14 aink">
+      <mc:AlternateContent xmlns:mc="http://schemas.openxmlformats.org/markup-compatibility/2006" xmlns:p14="http://schemas.microsoft.com/office/powerpoint/2010/main" xmlns:aink="http://schemas.microsoft.com/office/drawing/2016/ink">
+        <mc:Choice Requires="p14 aink">
           <p:contentPart p14:bwMode="auto" r:id="rId12">
             <p14:nvContentPartPr>
               <p14:cNvPr id="36" name="Ink 35">
@@ -13495,7 +13672,7 @@
             </p14:xfrm>
           </p:contentPart>
         </mc:Choice>
-        <mc:Fallback>
+        <mc:Fallback xmlns="">
           <p:pic>
             <p:nvPicPr>
               <p:cNvPr id="36" name="Ink 35">
@@ -13526,8 +13703,8 @@
           </p:pic>
         </mc:Fallback>
       </mc:AlternateContent>
-      <mc:AlternateContent xmlns:mc="http://schemas.openxmlformats.org/markup-compatibility/2006">
-        <mc:Choice xmlns:p14="http://schemas.microsoft.com/office/powerpoint/2010/main" xmlns:aink="http://schemas.microsoft.com/office/drawing/2016/ink" Requires="p14 aink">
+      <mc:AlternateContent xmlns:mc="http://schemas.openxmlformats.org/markup-compatibility/2006" xmlns:p14="http://schemas.microsoft.com/office/powerpoint/2010/main" xmlns:aink="http://schemas.microsoft.com/office/drawing/2016/ink">
+        <mc:Choice Requires="p14 aink">
           <p:contentPart p14:bwMode="auto" r:id="rId14">
             <p14:nvContentPartPr>
               <p14:cNvPr id="37" name="Ink 36">
@@ -13546,7 +13723,7 @@
             </p14:xfrm>
           </p:contentPart>
         </mc:Choice>
-        <mc:Fallback>
+        <mc:Fallback xmlns="">
           <p:pic>
             <p:nvPicPr>
               <p:cNvPr id="37" name="Ink 36">
@@ -13577,8 +13754,8 @@
           </p:pic>
         </mc:Fallback>
       </mc:AlternateContent>
-      <mc:AlternateContent xmlns:mc="http://schemas.openxmlformats.org/markup-compatibility/2006">
-        <mc:Choice xmlns:p14="http://schemas.microsoft.com/office/powerpoint/2010/main" xmlns:aink="http://schemas.microsoft.com/office/drawing/2016/ink" Requires="p14 aink">
+      <mc:AlternateContent xmlns:mc="http://schemas.openxmlformats.org/markup-compatibility/2006" xmlns:p14="http://schemas.microsoft.com/office/powerpoint/2010/main" xmlns:aink="http://schemas.microsoft.com/office/drawing/2016/ink">
+        <mc:Choice Requires="p14 aink">
           <p:contentPart p14:bwMode="auto" r:id="rId16">
             <p14:nvContentPartPr>
               <p14:cNvPr id="40" name="Ink 39">
@@ -13597,7 +13774,7 @@
             </p14:xfrm>
           </p:contentPart>
         </mc:Choice>
-        <mc:Fallback>
+        <mc:Fallback xmlns="">
           <p:pic>
             <p:nvPicPr>
               <p:cNvPr id="40" name="Ink 39">
@@ -13648,8 +13825,8 @@
             <a:chExt cx="2499840" cy="2004840"/>
           </a:xfrm>
         </p:grpSpPr>
-        <mc:AlternateContent xmlns:mc="http://schemas.openxmlformats.org/markup-compatibility/2006">
-          <mc:Choice xmlns:p14="http://schemas.microsoft.com/office/powerpoint/2010/main" xmlns:aink="http://schemas.microsoft.com/office/drawing/2016/ink" Requires="p14 aink">
+        <mc:AlternateContent xmlns:mc="http://schemas.openxmlformats.org/markup-compatibility/2006" xmlns:p14="http://schemas.microsoft.com/office/powerpoint/2010/main" xmlns:aink="http://schemas.microsoft.com/office/drawing/2016/ink">
+          <mc:Choice Requires="p14 aink">
             <p:contentPart p14:bwMode="auto" r:id="rId18">
               <p14:nvContentPartPr>
                 <p14:cNvPr id="41" name="Ink 40">
@@ -13668,7 +13845,7 @@
               </p14:xfrm>
             </p:contentPart>
           </mc:Choice>
-          <mc:Fallback>
+          <mc:Fallback xmlns="">
             <p:pic>
               <p:nvPicPr>
                 <p:cNvPr id="41" name="Ink 40">
@@ -13699,8 +13876,8 @@
             </p:pic>
           </mc:Fallback>
         </mc:AlternateContent>
-        <mc:AlternateContent xmlns:mc="http://schemas.openxmlformats.org/markup-compatibility/2006">
-          <mc:Choice xmlns:p14="http://schemas.microsoft.com/office/powerpoint/2010/main" xmlns:aink="http://schemas.microsoft.com/office/drawing/2016/ink" Requires="p14 aink">
+        <mc:AlternateContent xmlns:mc="http://schemas.openxmlformats.org/markup-compatibility/2006" xmlns:p14="http://schemas.microsoft.com/office/powerpoint/2010/main" xmlns:aink="http://schemas.microsoft.com/office/drawing/2016/ink">
+          <mc:Choice Requires="p14 aink">
             <p:contentPart p14:bwMode="auto" r:id="rId20">
               <p14:nvContentPartPr>
                 <p14:cNvPr id="42" name="Ink 41">
@@ -13719,7 +13896,7 @@
               </p14:xfrm>
             </p:contentPart>
           </mc:Choice>
-          <mc:Fallback>
+          <mc:Fallback xmlns="">
             <p:pic>
               <p:nvPicPr>
                 <p:cNvPr id="42" name="Ink 41">
@@ -13750,8 +13927,8 @@
             </p:pic>
           </mc:Fallback>
         </mc:AlternateContent>
-        <mc:AlternateContent xmlns:mc="http://schemas.openxmlformats.org/markup-compatibility/2006">
-          <mc:Choice xmlns:p14="http://schemas.microsoft.com/office/powerpoint/2010/main" xmlns:aink="http://schemas.microsoft.com/office/drawing/2016/ink" Requires="p14 aink">
+        <mc:AlternateContent xmlns:mc="http://schemas.openxmlformats.org/markup-compatibility/2006" xmlns:p14="http://schemas.microsoft.com/office/powerpoint/2010/main" xmlns:aink="http://schemas.microsoft.com/office/drawing/2016/ink">
+          <mc:Choice Requires="p14 aink">
             <p:contentPart p14:bwMode="auto" r:id="rId22">
               <p14:nvContentPartPr>
                 <p14:cNvPr id="44" name="Ink 43">
@@ -13770,7 +13947,7 @@
               </p14:xfrm>
             </p:contentPart>
           </mc:Choice>
-          <mc:Fallback>
+          <mc:Fallback xmlns="">
             <p:pic>
               <p:nvPicPr>
                 <p:cNvPr id="44" name="Ink 43">
@@ -13801,8 +13978,8 @@
             </p:pic>
           </mc:Fallback>
         </mc:AlternateContent>
-        <mc:AlternateContent xmlns:mc="http://schemas.openxmlformats.org/markup-compatibility/2006">
-          <mc:Choice xmlns:p14="http://schemas.microsoft.com/office/powerpoint/2010/main" xmlns:aink="http://schemas.microsoft.com/office/drawing/2016/ink" Requires="p14 aink">
+        <mc:AlternateContent xmlns:mc="http://schemas.openxmlformats.org/markup-compatibility/2006" xmlns:p14="http://schemas.microsoft.com/office/powerpoint/2010/main" xmlns:aink="http://schemas.microsoft.com/office/drawing/2016/ink">
+          <mc:Choice Requires="p14 aink">
             <p:contentPart p14:bwMode="auto" r:id="rId24">
               <p14:nvContentPartPr>
                 <p14:cNvPr id="46" name="Ink 45">
@@ -13821,7 +13998,7 @@
               </p14:xfrm>
             </p:contentPart>
           </mc:Choice>
-          <mc:Fallback>
+          <mc:Fallback xmlns="">
             <p:pic>
               <p:nvPicPr>
                 <p:cNvPr id="46" name="Ink 45">
@@ -13852,8 +14029,8 @@
             </p:pic>
           </mc:Fallback>
         </mc:AlternateContent>
-        <mc:AlternateContent xmlns:mc="http://schemas.openxmlformats.org/markup-compatibility/2006">
-          <mc:Choice xmlns:p14="http://schemas.microsoft.com/office/powerpoint/2010/main" xmlns:aink="http://schemas.microsoft.com/office/drawing/2016/ink" Requires="p14 aink">
+        <mc:AlternateContent xmlns:mc="http://schemas.openxmlformats.org/markup-compatibility/2006" xmlns:p14="http://schemas.microsoft.com/office/powerpoint/2010/main" xmlns:aink="http://schemas.microsoft.com/office/drawing/2016/ink">
+          <mc:Choice Requires="p14 aink">
             <p:contentPart p14:bwMode="auto" r:id="rId26">
               <p14:nvContentPartPr>
                 <p14:cNvPr id="48" name="Ink 47">
@@ -13872,7 +14049,7 @@
               </p14:xfrm>
             </p:contentPart>
           </mc:Choice>
-          <mc:Fallback>
+          <mc:Fallback xmlns="">
             <p:pic>
               <p:nvPicPr>
                 <p:cNvPr id="48" name="Ink 47">
@@ -13904,8 +14081,8 @@
           </mc:Fallback>
         </mc:AlternateContent>
       </p:grpSp>
-      <mc:AlternateContent xmlns:mc="http://schemas.openxmlformats.org/markup-compatibility/2006">
-        <mc:Choice xmlns:p14="http://schemas.microsoft.com/office/powerpoint/2010/main" xmlns:aink="http://schemas.microsoft.com/office/drawing/2016/ink" Requires="p14 aink">
+      <mc:AlternateContent xmlns:mc="http://schemas.openxmlformats.org/markup-compatibility/2006" xmlns:p14="http://schemas.microsoft.com/office/powerpoint/2010/main" xmlns:aink="http://schemas.microsoft.com/office/drawing/2016/ink">
+        <mc:Choice Requires="p14 aink">
           <p:contentPart p14:bwMode="auto" r:id="rId28">
             <p14:nvContentPartPr>
               <p14:cNvPr id="50" name="Ink 49">
@@ -13924,7 +14101,7 @@
             </p14:xfrm>
           </p:contentPart>
         </mc:Choice>
-        <mc:Fallback>
+        <mc:Fallback xmlns="">
           <p:pic>
             <p:nvPicPr>
               <p:cNvPr id="50" name="Ink 49">
@@ -13955,8 +14132,8 @@
           </p:pic>
         </mc:Fallback>
       </mc:AlternateContent>
-      <mc:AlternateContent xmlns:mc="http://schemas.openxmlformats.org/markup-compatibility/2006">
-        <mc:Choice xmlns:p14="http://schemas.microsoft.com/office/powerpoint/2010/main" xmlns:aink="http://schemas.microsoft.com/office/drawing/2016/ink" Requires="p14 aink">
+      <mc:AlternateContent xmlns:mc="http://schemas.openxmlformats.org/markup-compatibility/2006" xmlns:p14="http://schemas.microsoft.com/office/powerpoint/2010/main" xmlns:aink="http://schemas.microsoft.com/office/drawing/2016/ink">
+        <mc:Choice Requires="p14 aink">
           <p:contentPart p14:bwMode="auto" r:id="rId30">
             <p14:nvContentPartPr>
               <p14:cNvPr id="51" name="Ink 50">
@@ -13975,7 +14152,7 @@
             </p14:xfrm>
           </p:contentPart>
         </mc:Choice>
-        <mc:Fallback>
+        <mc:Fallback xmlns="">
           <p:pic>
             <p:nvPicPr>
               <p:cNvPr id="51" name="Ink 50">
@@ -14141,7 +14318,7 @@
 </p:sld>
 </file>
 
-<file path=ppt/slides/slide26.xml><?xml version="1.0" encoding="utf-8"?>
+<file path=ppt/slides/slide27.xml><?xml version="1.0" encoding="utf-8"?>
 <p:sld xmlns:a="http://schemas.openxmlformats.org/drawingml/2006/main" xmlns:r="http://schemas.openxmlformats.org/officeDocument/2006/relationships" xmlns:p="http://schemas.openxmlformats.org/presentationml/2006/main">
   <p:cSld>
     <p:spTree>
@@ -14224,7 +14401,7 @@
 </p:sld>
 </file>
 
-<file path=ppt/slides/slide27.xml><?xml version="1.0" encoding="utf-8"?>
+<file path=ppt/slides/slide28.xml><?xml version="1.0" encoding="utf-8"?>
 <p:sld xmlns:a="http://schemas.openxmlformats.org/drawingml/2006/main" xmlns:r="http://schemas.openxmlformats.org/officeDocument/2006/relationships" xmlns:p="http://schemas.openxmlformats.org/presentationml/2006/main">
   <p:cSld>
     <p:spTree>
@@ -14354,7 +14531,7 @@
 </p:sld>
 </file>
 
-<file path=ppt/slides/slide28.xml><?xml version="1.0" encoding="utf-8"?>
+<file path=ppt/slides/slide29.xml><?xml version="1.0" encoding="utf-8"?>
 <p:sld xmlns:a="http://schemas.openxmlformats.org/drawingml/2006/main" xmlns:r="http://schemas.openxmlformats.org/officeDocument/2006/relationships" xmlns:p="http://schemas.openxmlformats.org/presentationml/2006/main">
   <p:cSld>
     <p:bg>
@@ -14437,7 +14614,105 @@
 </p:sld>
 </file>
 
-<file path=ppt/slides/slide29.xml><?xml version="1.0" encoding="utf-8"?>
+<file path=ppt/slides/slide3.xml><?xml version="1.0" encoding="utf-8"?>
+<p:sld xmlns:a="http://schemas.openxmlformats.org/drawingml/2006/main" xmlns:r="http://schemas.openxmlformats.org/officeDocument/2006/relationships" xmlns:p="http://schemas.openxmlformats.org/presentationml/2006/main">
+  <p:cSld>
+    <p:spTree>
+      <p:nvGrpSpPr>
+        <p:cNvPr id="1" name=""/>
+        <p:cNvGrpSpPr/>
+        <p:nvPr/>
+      </p:nvGrpSpPr>
+      <p:grpSpPr>
+        <a:xfrm>
+          <a:off x="0" y="0"/>
+          <a:ext cx="0" cy="0"/>
+          <a:chOff x="0" y="0"/>
+          <a:chExt cx="0" cy="0"/>
+        </a:xfrm>
+      </p:grpSpPr>
+      <p:sp>
+        <p:nvSpPr>
+          <p:cNvPr id="2" name="Title 1">
+            <a:extLst>
+              <a:ext uri="{FF2B5EF4-FFF2-40B4-BE49-F238E27FC236}">
+                <a16:creationId xmlns:a16="http://schemas.microsoft.com/office/drawing/2014/main" id="{22C37DDF-BB99-7322-A291-273F5F220952}"/>
+              </a:ext>
+            </a:extLst>
+          </p:cNvPr>
+          <p:cNvSpPr>
+            <a:spLocks noGrp="1"/>
+          </p:cNvSpPr>
+          <p:nvPr>
+            <p:ph type="title"/>
+          </p:nvPr>
+        </p:nvSpPr>
+        <p:spPr/>
+        <p:txBody>
+          <a:bodyPr/>
+          <a:lstStyle/>
+          <a:p>
+            <a:r>
+              <a:rPr lang="en-US" dirty="0"/>
+              <a:t>Glossary </a:t>
+            </a:r>
+          </a:p>
+        </p:txBody>
+      </p:sp>
+      <p:sp>
+        <p:nvSpPr>
+          <p:cNvPr id="3" name="Content Placeholder 2">
+            <a:extLst>
+              <a:ext uri="{FF2B5EF4-FFF2-40B4-BE49-F238E27FC236}">
+                <a16:creationId xmlns:a16="http://schemas.microsoft.com/office/drawing/2014/main" id="{EEDE7C6F-8518-71B5-974E-2A707B423FC0}"/>
+              </a:ext>
+            </a:extLst>
+          </p:cNvPr>
+          <p:cNvSpPr>
+            <a:spLocks noGrp="1"/>
+          </p:cNvSpPr>
+          <p:nvPr>
+            <p:ph idx="1"/>
+          </p:nvPr>
+        </p:nvSpPr>
+        <p:spPr/>
+        <p:txBody>
+          <a:bodyPr/>
+          <a:lstStyle/>
+          <a:p>
+            <a:r>
+              <a:rPr lang="en-US" dirty="0"/>
+              <a:t>Token = Word</a:t>
+            </a:r>
+          </a:p>
+          <a:p>
+            <a:r>
+              <a:rPr lang="en-US" dirty="0"/>
+              <a:t>Document = Collection of Tokens</a:t>
+            </a:r>
+          </a:p>
+          <a:p>
+            <a:r>
+              <a:rPr lang="en-US" dirty="0"/>
+              <a:t>Corpus = Collection of Documents</a:t>
+            </a:r>
+          </a:p>
+        </p:txBody>
+      </p:sp>
+    </p:spTree>
+    <p:extLst>
+      <p:ext uri="{BB962C8B-B14F-4D97-AF65-F5344CB8AC3E}">
+        <p14:creationId xmlns:p14="http://schemas.microsoft.com/office/powerpoint/2010/main" val="2334258681"/>
+      </p:ext>
+    </p:extLst>
+  </p:cSld>
+  <p:clrMapOvr>
+    <a:masterClrMapping/>
+  </p:clrMapOvr>
+</p:sld>
+</file>
+
+<file path=ppt/slides/slide30.xml><?xml version="1.0" encoding="utf-8"?>
 <p:sld xmlns:a="http://schemas.openxmlformats.org/drawingml/2006/main" xmlns:r="http://schemas.openxmlformats.org/officeDocument/2006/relationships" xmlns:p="http://schemas.openxmlformats.org/presentationml/2006/main">
   <p:cSld>
     <p:spTree>
@@ -14636,7 +14911,7 @@
 </p:sld>
 </file>
 
-<file path=ppt/slides/slide3.xml><?xml version="1.0" encoding="utf-8"?>
+<file path=ppt/slides/slide4.xml><?xml version="1.0" encoding="utf-8"?>
 <p:sld xmlns:a="http://schemas.openxmlformats.org/drawingml/2006/main" xmlns:r="http://schemas.openxmlformats.org/officeDocument/2006/relationships" xmlns:p="http://schemas.openxmlformats.org/presentationml/2006/main">
   <p:cSld>
     <p:spTree>
@@ -14791,109 +15066,6 @@
     <p:extLst>
       <p:ext uri="{BB962C8B-B14F-4D97-AF65-F5344CB8AC3E}">
         <p14:creationId xmlns:p14="http://schemas.microsoft.com/office/powerpoint/2010/main" val="904987737"/>
-      </p:ext>
-    </p:extLst>
-  </p:cSld>
-  <p:clrMapOvr>
-    <a:masterClrMapping/>
-  </p:clrMapOvr>
-</p:sld>
-</file>
-
-<file path=ppt/slides/slide4.xml><?xml version="1.0" encoding="utf-8"?>
-<p:sld xmlns:a="http://schemas.openxmlformats.org/drawingml/2006/main" xmlns:r="http://schemas.openxmlformats.org/officeDocument/2006/relationships" xmlns:p="http://schemas.openxmlformats.org/presentationml/2006/main">
-  <p:cSld>
-    <p:spTree>
-      <p:nvGrpSpPr>
-        <p:cNvPr id="1" name=""/>
-        <p:cNvGrpSpPr/>
-        <p:nvPr/>
-      </p:nvGrpSpPr>
-      <p:grpSpPr>
-        <a:xfrm>
-          <a:off x="0" y="0"/>
-          <a:ext cx="0" cy="0"/>
-          <a:chOff x="0" y="0"/>
-          <a:chExt cx="0" cy="0"/>
-        </a:xfrm>
-      </p:grpSpPr>
-      <p:sp>
-        <p:nvSpPr>
-          <p:cNvPr id="2" name="Title 1">
-            <a:extLst>
-              <a:ext uri="{FF2B5EF4-FFF2-40B4-BE49-F238E27FC236}">
-                <a16:creationId xmlns:a16="http://schemas.microsoft.com/office/drawing/2014/main" id="{C72245CD-A54F-AFE6-4374-990E3F1CB722}"/>
-              </a:ext>
-            </a:extLst>
-          </p:cNvPr>
-          <p:cNvSpPr>
-            <a:spLocks noGrp="1"/>
-          </p:cNvSpPr>
-          <p:nvPr>
-            <p:ph type="title"/>
-          </p:nvPr>
-        </p:nvSpPr>
-        <p:spPr/>
-        <p:txBody>
-          <a:bodyPr/>
-          <a:lstStyle/>
-          <a:p>
-            <a:endParaRPr lang="en-US" dirty="0"/>
-          </a:p>
-        </p:txBody>
-      </p:sp>
-      <p:sp>
-        <p:nvSpPr>
-          <p:cNvPr id="3" name="Content Placeholder 2">
-            <a:extLst>
-              <a:ext uri="{FF2B5EF4-FFF2-40B4-BE49-F238E27FC236}">
-                <a16:creationId xmlns:a16="http://schemas.microsoft.com/office/drawing/2014/main" id="{5A048FAC-B415-BD3E-2DC3-76CEE0FCDC4F}"/>
-              </a:ext>
-            </a:extLst>
-          </p:cNvPr>
-          <p:cNvSpPr>
-            <a:spLocks noGrp="1"/>
-          </p:cNvSpPr>
-          <p:nvPr>
-            <p:ph idx="1"/>
-          </p:nvPr>
-        </p:nvSpPr>
-        <p:spPr/>
-        <p:txBody>
-          <a:bodyPr/>
-          <a:lstStyle/>
-          <a:p>
-            <a:endParaRPr lang="en-US" dirty="0"/>
-          </a:p>
-          <a:p>
-            <a:endParaRPr lang="en-US" dirty="0"/>
-          </a:p>
-          <a:p>
-            <a:r>
-              <a:rPr lang="en-US" dirty="0"/>
-              <a:t>There are two big approaches to computational text analysis:</a:t>
-            </a:r>
-          </a:p>
-          <a:p>
-            <a:pPr lvl="1"/>
-            <a:r>
-              <a:rPr lang="en-US" dirty="0"/>
-              <a:t>Bag-of-words</a:t>
-            </a:r>
-          </a:p>
-          <a:p>
-            <a:pPr lvl="1"/>
-            <a:r>
-              <a:rPr lang="en-US" dirty="0"/>
-              <a:t>Word embeddings </a:t>
-            </a:r>
-          </a:p>
-        </p:txBody>
-      </p:sp>
-    </p:spTree>
-    <p:extLst>
-      <p:ext uri="{BB962C8B-B14F-4D97-AF65-F5344CB8AC3E}">
-        <p14:creationId xmlns:p14="http://schemas.microsoft.com/office/powerpoint/2010/main" val="429425326"/>
       </p:ext>
     </p:extLst>
   </p:cSld>
@@ -14980,6 +15152,109 @@
           <a:p>
             <a:pPr lvl="1"/>
             <a:r>
+              <a:rPr lang="en-US" dirty="0"/>
+              <a:t>Bag-of-words</a:t>
+            </a:r>
+          </a:p>
+          <a:p>
+            <a:pPr lvl="1"/>
+            <a:r>
+              <a:rPr lang="en-US" dirty="0"/>
+              <a:t>Word embeddings </a:t>
+            </a:r>
+          </a:p>
+        </p:txBody>
+      </p:sp>
+    </p:spTree>
+    <p:extLst>
+      <p:ext uri="{BB962C8B-B14F-4D97-AF65-F5344CB8AC3E}">
+        <p14:creationId xmlns:p14="http://schemas.microsoft.com/office/powerpoint/2010/main" val="429425326"/>
+      </p:ext>
+    </p:extLst>
+  </p:cSld>
+  <p:clrMapOvr>
+    <a:masterClrMapping/>
+  </p:clrMapOvr>
+</p:sld>
+</file>
+
+<file path=ppt/slides/slide6.xml><?xml version="1.0" encoding="utf-8"?>
+<p:sld xmlns:a="http://schemas.openxmlformats.org/drawingml/2006/main" xmlns:r="http://schemas.openxmlformats.org/officeDocument/2006/relationships" xmlns:p="http://schemas.openxmlformats.org/presentationml/2006/main">
+  <p:cSld>
+    <p:spTree>
+      <p:nvGrpSpPr>
+        <p:cNvPr id="1" name=""/>
+        <p:cNvGrpSpPr/>
+        <p:nvPr/>
+      </p:nvGrpSpPr>
+      <p:grpSpPr>
+        <a:xfrm>
+          <a:off x="0" y="0"/>
+          <a:ext cx="0" cy="0"/>
+          <a:chOff x="0" y="0"/>
+          <a:chExt cx="0" cy="0"/>
+        </a:xfrm>
+      </p:grpSpPr>
+      <p:sp>
+        <p:nvSpPr>
+          <p:cNvPr id="2" name="Title 1">
+            <a:extLst>
+              <a:ext uri="{FF2B5EF4-FFF2-40B4-BE49-F238E27FC236}">
+                <a16:creationId xmlns:a16="http://schemas.microsoft.com/office/drawing/2014/main" id="{C72245CD-A54F-AFE6-4374-990E3F1CB722}"/>
+              </a:ext>
+            </a:extLst>
+          </p:cNvPr>
+          <p:cNvSpPr>
+            <a:spLocks noGrp="1"/>
+          </p:cNvSpPr>
+          <p:nvPr>
+            <p:ph type="title"/>
+          </p:nvPr>
+        </p:nvSpPr>
+        <p:spPr/>
+        <p:txBody>
+          <a:bodyPr/>
+          <a:lstStyle/>
+          <a:p>
+            <a:endParaRPr lang="en-US" dirty="0"/>
+          </a:p>
+        </p:txBody>
+      </p:sp>
+      <p:sp>
+        <p:nvSpPr>
+          <p:cNvPr id="3" name="Content Placeholder 2">
+            <a:extLst>
+              <a:ext uri="{FF2B5EF4-FFF2-40B4-BE49-F238E27FC236}">
+                <a16:creationId xmlns:a16="http://schemas.microsoft.com/office/drawing/2014/main" id="{5A048FAC-B415-BD3E-2DC3-76CEE0FCDC4F}"/>
+              </a:ext>
+            </a:extLst>
+          </p:cNvPr>
+          <p:cNvSpPr>
+            <a:spLocks noGrp="1"/>
+          </p:cNvSpPr>
+          <p:nvPr>
+            <p:ph idx="1"/>
+          </p:nvPr>
+        </p:nvSpPr>
+        <p:spPr/>
+        <p:txBody>
+          <a:bodyPr/>
+          <a:lstStyle/>
+          <a:p>
+            <a:endParaRPr lang="en-US" dirty="0"/>
+          </a:p>
+          <a:p>
+            <a:endParaRPr lang="en-US" dirty="0"/>
+          </a:p>
+          <a:p>
+            <a:r>
+              <a:rPr lang="en-US" dirty="0"/>
+              <a:t>There are two big approaches to computational text analysis:</a:t>
+            </a:r>
+          </a:p>
+          <a:p>
+            <a:pPr lvl="1"/>
+            <a:r>
               <a:rPr lang="en-US" dirty="0">
                 <a:solidFill>
                   <a:schemeClr val="accent4"/>
@@ -15010,7 +15285,7 @@
 </p:sld>
 </file>
 
-<file path=ppt/slides/slide6.xml><?xml version="1.0" encoding="utf-8"?>
+<file path=ppt/slides/slide7.xml><?xml version="1.0" encoding="utf-8"?>
 <p:sld xmlns:a="http://schemas.openxmlformats.org/drawingml/2006/main" xmlns:r="http://schemas.openxmlformats.org/officeDocument/2006/relationships" xmlns:p="http://schemas.openxmlformats.org/presentationml/2006/main">
   <p:cSld>
     <p:spTree>
@@ -15156,7 +15431,7 @@
 </p:sld>
 </file>
 
-<file path=ppt/slides/slide7.xml><?xml version="1.0" encoding="utf-8"?>
+<file path=ppt/slides/slide8.xml><?xml version="1.0" encoding="utf-8"?>
 <p:sld xmlns:a="http://schemas.openxmlformats.org/drawingml/2006/main" xmlns:r="http://schemas.openxmlformats.org/officeDocument/2006/relationships" xmlns:p="http://schemas.openxmlformats.org/presentationml/2006/main">
   <p:cSld>
     <p:spTree>
@@ -15244,7 +15519,7 @@
 </p:sld>
 </file>
 
-<file path=ppt/slides/slide8.xml><?xml version="1.0" encoding="utf-8"?>
+<file path=ppt/slides/slide9.xml><?xml version="1.0" encoding="utf-8"?>
 <p:sld xmlns:a="http://schemas.openxmlformats.org/drawingml/2006/main" xmlns:r="http://schemas.openxmlformats.org/officeDocument/2006/relationships" xmlns:p="http://schemas.openxmlformats.org/presentationml/2006/main">
   <p:cSld>
     <p:spTree>
@@ -15361,134 +15636,6 @@
     <p:extLst>
       <p:ext uri="{BB962C8B-B14F-4D97-AF65-F5344CB8AC3E}">
         <p14:creationId xmlns:p14="http://schemas.microsoft.com/office/powerpoint/2010/main" val="2753877222"/>
-      </p:ext>
-    </p:extLst>
-  </p:cSld>
-  <p:clrMapOvr>
-    <a:masterClrMapping/>
-  </p:clrMapOvr>
-</p:sld>
-</file>
-
-<file path=ppt/slides/slide9.xml><?xml version="1.0" encoding="utf-8"?>
-<p:sld xmlns:a="http://schemas.openxmlformats.org/drawingml/2006/main" xmlns:r="http://schemas.openxmlformats.org/officeDocument/2006/relationships" xmlns:p="http://schemas.openxmlformats.org/presentationml/2006/main">
-  <p:cSld>
-    <p:spTree>
-      <p:nvGrpSpPr>
-        <p:cNvPr id="1" name=""/>
-        <p:cNvGrpSpPr/>
-        <p:nvPr/>
-      </p:nvGrpSpPr>
-      <p:grpSpPr>
-        <a:xfrm>
-          <a:off x="0" y="0"/>
-          <a:ext cx="0" cy="0"/>
-          <a:chOff x="0" y="0"/>
-          <a:chExt cx="0" cy="0"/>
-        </a:xfrm>
-      </p:grpSpPr>
-      <p:sp>
-        <p:nvSpPr>
-          <p:cNvPr id="2" name="Title 1">
-            <a:extLst>
-              <a:ext uri="{FF2B5EF4-FFF2-40B4-BE49-F238E27FC236}">
-                <a16:creationId xmlns:a16="http://schemas.microsoft.com/office/drawing/2014/main" id="{76CD47FF-C1D6-F84E-17C0-4E8E83E249D5}"/>
-              </a:ext>
-            </a:extLst>
-          </p:cNvPr>
-          <p:cNvSpPr>
-            <a:spLocks noGrp="1"/>
-          </p:cNvSpPr>
-          <p:nvPr>
-            <p:ph type="title"/>
-          </p:nvPr>
-        </p:nvSpPr>
-        <p:spPr/>
-        <p:txBody>
-          <a:bodyPr/>
-          <a:lstStyle/>
-          <a:p>
-            <a:r>
-              <a:rPr lang="en-US" dirty="0"/>
-              <a:t>1. The Unit of Analysis</a:t>
-            </a:r>
-          </a:p>
-        </p:txBody>
-      </p:sp>
-      <p:sp>
-        <p:nvSpPr>
-          <p:cNvPr id="3" name="Content Placeholder 2">
-            <a:extLst>
-              <a:ext uri="{FF2B5EF4-FFF2-40B4-BE49-F238E27FC236}">
-                <a16:creationId xmlns:a16="http://schemas.microsoft.com/office/drawing/2014/main" id="{0A8E5013-2274-C73A-7B67-454CA6C3301F}"/>
-              </a:ext>
-            </a:extLst>
-          </p:cNvPr>
-          <p:cNvSpPr>
-            <a:spLocks noGrp="1"/>
-          </p:cNvSpPr>
-          <p:nvPr>
-            <p:ph idx="1"/>
-          </p:nvPr>
-        </p:nvSpPr>
-        <p:spPr/>
-        <p:txBody>
-          <a:bodyPr/>
-          <a:lstStyle/>
-          <a:p>
-            <a:r>
-              <a:rPr lang="en-US" dirty="0"/>
-              <a:t>When analyzing text, we need to determine the unit of analysis.</a:t>
-            </a:r>
-          </a:p>
-          <a:p>
-            <a:r>
-              <a:rPr lang="en-US" dirty="0"/>
-              <a:t>Let’s say you want to analyze a corpus of Constitutions. What should the unit of analysis be?</a:t>
-            </a:r>
-          </a:p>
-          <a:p>
-            <a:pPr lvl="1"/>
-            <a:r>
-              <a:rPr lang="en-US" dirty="0"/>
-              <a:t>The whole constitution?</a:t>
-            </a:r>
-          </a:p>
-          <a:p>
-            <a:pPr lvl="1"/>
-            <a:r>
-              <a:rPr lang="en-US" dirty="0"/>
-              <a:t>Each chapter?</a:t>
-            </a:r>
-          </a:p>
-          <a:p>
-            <a:pPr lvl="1"/>
-            <a:r>
-              <a:rPr lang="en-US" dirty="0"/>
-              <a:t>Each subsection?</a:t>
-            </a:r>
-          </a:p>
-          <a:p>
-            <a:pPr lvl="1"/>
-            <a:r>
-              <a:rPr lang="en-US" dirty="0"/>
-              <a:t>Each law/amendment?</a:t>
-            </a:r>
-          </a:p>
-          <a:p>
-            <a:pPr lvl="1"/>
-            <a:endParaRPr lang="en-US" dirty="0"/>
-          </a:p>
-          <a:p>
-            <a:pPr lvl="1"/>
-            <a:endParaRPr lang="en-US" dirty="0"/>
-          </a:p>
-        </p:txBody>
-      </p:sp>
-    </p:spTree>
-    <p:extLst>
-      <p:ext uri="{BB962C8B-B14F-4D97-AF65-F5344CB8AC3E}">
-        <p14:creationId xmlns:p14="http://schemas.microsoft.com/office/powerpoint/2010/main" val="661034917"/>
       </p:ext>
     </p:extLst>
   </p:cSld>
